--- a/Prerequisite-files/Presentation_Template_Prayer.pptx
+++ b/Prerequisite-files/Presentation_Template_Prayer.pptx
@@ -1,16 +1,16 @@
 
 <file path=ppt/presentation.xml><?xml version="1.0" encoding="utf-8"?>
-<p:presentation xmlns:r="http://schemas.openxmlformats.org/officeDocument/2006/relationships" xmlns:c="http://schemas.openxmlformats.org/drawingml/2006/chart" xmlns:a="http://schemas.openxmlformats.org/drawingml/2006/main" xmlns:dgm="http://schemas.openxmlformats.org/drawingml/2006/diagram" xmlns:dsp="http://schemas.microsoft.com/office/drawing/2008/diagram" xmlns:p="http://schemas.openxmlformats.org/presentationml/2006/main" saveSubsetFonts="1">
+<p:presentation xmlns:a="http://schemas.openxmlformats.org/drawingml/2006/main" xmlns:r="http://schemas.openxmlformats.org/officeDocument/2006/relationships" xmlns:p="http://schemas.openxmlformats.org/presentationml/2006/main" saveSubsetFonts="1">
   <p:sldMasterIdLst>
     <p:sldMasterId id="2147483730" r:id="rId1"/>
   </p:sldMasterIdLst>
   <p:notesMasterIdLst>
-    <p:notesMasterId r:id="rId2"/>
+    <p:notesMasterId r:id="rId3"/>
   </p:notesMasterIdLst>
   <p:sldIdLst>
-    <p:sldId id="256" r:id="rId3"/>
+    <p:sldId id="256" r:id="rId2"/>
   </p:sldIdLst>
-  <p:sldSz cx="9148135" cy="5145819"/>
+  <p:sldSz cx="9148763" cy="5145088"/>
   <p:notesSz cx="6858000" cy="9144000"/>
   <p:defaultTextStyle>
     <a:defPPr>
@@ -107,11 +107,27 @@
       </a:defRPr>
     </a:lvl9pPr>
   </p:defaultTextStyle>
+  <p:extLst>
+    <p:ext uri="{EFAFB233-063F-42B5-8137-9DF3F51BA10A}">
+      <p15:sldGuideLst xmlns:p15="http://schemas.microsoft.com/office/powerpoint/2012/main">
+        <p15:guide id="1" orient="horz" pos="1620">
+          <p15:clr>
+            <a:srgbClr val="A4A3A4"/>
+          </p15:clr>
+        </p15:guide>
+        <p15:guide id="2" pos="2879">
+          <p15:clr>
+            <a:srgbClr val="A4A3A4"/>
+          </p15:clr>
+        </p15:guide>
+      </p15:sldGuideLst>
+    </p:ext>
+  </p:extLst>
 </p:presentation>
 </file>
 
 <file path=ppt/notesMasters/notesMaster1.xml><?xml version="1.0" encoding="utf-8"?>
-<p:notesMaster xmlns:r="http://schemas.openxmlformats.org/officeDocument/2006/relationships" xmlns:c="http://schemas.openxmlformats.org/drawingml/2006/chart" xmlns:a="http://schemas.openxmlformats.org/drawingml/2006/main" xmlns:dgm="http://schemas.openxmlformats.org/drawingml/2006/diagram" xmlns:dsp="http://schemas.microsoft.com/office/drawing/2008/diagram" xmlns:p="http://schemas.openxmlformats.org/presentationml/2006/main">
+<p:notesMaster xmlns:a="http://schemas.openxmlformats.org/drawingml/2006/main" xmlns:r="http://schemas.openxmlformats.org/officeDocument/2006/relationships" xmlns:p="http://schemas.openxmlformats.org/presentationml/2006/main">
   <p:cSld>
     <p:bg>
       <p:bgRef idx="1001">
@@ -139,7 +155,7 @@
             <a:spLocks noGrp="1"/>
           </p:cNvSpPr>
           <p:nvPr>
-            <p:ph type="hdr" sz="quarter" idx="0"/>
+            <p:ph type="hdr" sz="quarter"/>
           </p:nvPr>
         </p:nvSpPr>
         <p:spPr>
@@ -162,10 +178,6 @@
             <a:pPr lvl="0">
               <a:defRPr lang="ko-KR" altLang="en-US"/>
             </a:pPr>
-            <a:r>
-              <a:rPr lang="ko-KR" altLang="en-US"/>
-              <a:t/>
-            </a:r>
             <a:endParaRPr lang="ko-KR" altLang="en-US"/>
           </a:p>
         </p:txBody>
@@ -205,7 +217,7 @@
               <a:pPr lvl="0">
                 <a:defRPr lang="ko-KR" altLang="en-US"/>
               </a:pPr>
-              <a:t>2025-08-25</a:t>
+              <a:t>(Mon) 2025-09-01</a:t>
             </a:fld>
             <a:endParaRPr lang="ko-KR" altLang="en-US"/>
           </a:p>
@@ -279,7 +291,6 @@
               <a:rPr lang="ko-KR" altLang="en-US"/>
               <a:t>마스터 텍스트 스타일을 편집합니다</a:t>
             </a:r>
-            <a:endParaRPr lang="ko-KR" altLang="en-US"/>
           </a:p>
           <a:p>
             <a:pPr lvl="1">
@@ -289,7 +300,6 @@
               <a:rPr lang="ko-KR" altLang="en-US"/>
               <a:t>둘째 수준</a:t>
             </a:r>
-            <a:endParaRPr lang="ko-KR" altLang="en-US"/>
           </a:p>
           <a:p>
             <a:pPr lvl="2">
@@ -299,7 +309,6 @@
               <a:rPr lang="ko-KR" altLang="en-US"/>
               <a:t>셋째 수준</a:t>
             </a:r>
-            <a:endParaRPr lang="ko-KR" altLang="en-US"/>
           </a:p>
           <a:p>
             <a:pPr lvl="3">
@@ -309,7 +318,6 @@
               <a:rPr lang="ko-KR" altLang="en-US"/>
               <a:t>넷째 수준</a:t>
             </a:r>
-            <a:endParaRPr lang="ko-KR" altLang="en-US"/>
           </a:p>
           <a:p>
             <a:pPr lvl="4">
@@ -319,7 +327,6 @@
               <a:rPr lang="ko-KR" altLang="en-US"/>
               <a:t>다섯째 수준</a:t>
             </a:r>
-            <a:endParaRPr lang="ko-KR" altLang="en-US"/>
           </a:p>
         </p:txBody>
       </p:sp>
@@ -353,10 +360,6 @@
             <a:pPr lvl="0">
               <a:defRPr lang="ko-KR" altLang="en-US"/>
             </a:pPr>
-            <a:r>
-              <a:rPr lang="ko-KR" altLang="en-US"/>
-              <a:t/>
-            </a:r>
             <a:endParaRPr lang="ko-KR" altLang="en-US"/>
           </a:p>
         </p:txBody>
@@ -502,7 +505,7 @@
 </file>
 
 <file path=ppt/slideLayouts/slideLayout1.xml><?xml version="1.0" encoding="utf-8"?>
-<p:sldLayout xmlns:r="http://schemas.openxmlformats.org/officeDocument/2006/relationships" xmlns:c="http://schemas.openxmlformats.org/drawingml/2006/chart" xmlns:a="http://schemas.openxmlformats.org/drawingml/2006/main" xmlns:dgm="http://schemas.openxmlformats.org/drawingml/2006/diagram" xmlns:dsp="http://schemas.microsoft.com/office/drawing/2008/diagram" xmlns:p="http://schemas.openxmlformats.org/presentationml/2006/main" showMasterPhAnim="1" type="title" preserve="1">
+<p:sldLayout xmlns:a="http://schemas.openxmlformats.org/drawingml/2006/main" xmlns:r="http://schemas.openxmlformats.org/officeDocument/2006/relationships" xmlns:p="http://schemas.openxmlformats.org/presentationml/2006/main" type="title" preserve="1">
   <p:cSld name="제목 슬라이드">
     <p:spTree>
       <p:nvGrpSpPr>
@@ -525,7 +528,7 @@
             <a:spLocks noGrp="1"/>
           </p:cNvSpPr>
           <p:nvPr>
-            <p:ph type="ctrTitle" idx="0"/>
+            <p:ph type="ctrTitle"/>
           </p:nvPr>
         </p:nvSpPr>
         <p:spPr>
@@ -539,10 +542,9 @@
           <a:lstStyle/>
           <a:p>
             <a:r>
-              <a:rPr lang="ko-KR" altLang="en-US" smtClean="0"/>
+              <a:rPr lang="ko-KR" altLang="en-US"/>
               <a:t>마스터 제목 스타일 편집</a:t>
             </a:r>
-            <a:endParaRPr lang="ko-KR" altLang="en-US"/>
           </a:p>
         </p:txBody>
       </p:sp>
@@ -658,10 +660,9 @@
           </a:lstStyle>
           <a:p>
             <a:r>
-              <a:rPr lang="ko-KR" altLang="en-US" smtClean="0"/>
+              <a:rPr lang="ko-KR" altLang="en-US"/>
               <a:t>마스터 부제목 스타일 편집</a:t>
             </a:r>
-            <a:endParaRPr lang="ko-KR" altLang="en-US"/>
           </a:p>
         </p:txBody>
       </p:sp>
@@ -683,7 +684,7 @@
             <a:fld id="{D8D7A7C4-C82A-4D21-9AB0-F0C5A1D3EF09}" type="datetime1">
               <a:rPr lang="ko-KR" altLang="en-US" smtClean="0"/>
               <a:pPr/>
-              <a:t>2009-12-07</a:t>
+              <a:t>(Mon) 2025-09-01</a:t>
             </a:fld>
             <a:endParaRPr lang="ko-KR" altLang="en-US"/>
           </a:p>
@@ -741,7 +742,7 @@
 </file>
 
 <file path=ppt/slideLayouts/slideLayout10.xml><?xml version="1.0" encoding="utf-8"?>
-<p:sldLayout xmlns:r="http://schemas.openxmlformats.org/officeDocument/2006/relationships" xmlns:c="http://schemas.openxmlformats.org/drawingml/2006/chart" xmlns:a="http://schemas.openxmlformats.org/drawingml/2006/main" xmlns:dgm="http://schemas.openxmlformats.org/drawingml/2006/diagram" xmlns:dsp="http://schemas.microsoft.com/office/drawing/2008/diagram" xmlns:p="http://schemas.openxmlformats.org/presentationml/2006/main" showMasterPhAnim="1" type="objOnly" preserve="1">
+<p:sldLayout xmlns:a="http://schemas.openxmlformats.org/drawingml/2006/main" xmlns:r="http://schemas.openxmlformats.org/officeDocument/2006/relationships" xmlns:p="http://schemas.openxmlformats.org/presentationml/2006/main" type="objOnly" preserve="1">
   <p:cSld name="간지">
     <p:spTree>
       <p:nvGrpSpPr>
@@ -764,7 +765,7 @@
             <a:spLocks noGrp="1"/>
           </p:cNvSpPr>
           <p:nvPr>
-            <p:ph type="ctrTitle" idx="0"/>
+            <p:ph type="ctrTitle"/>
           </p:nvPr>
         </p:nvSpPr>
         <p:spPr>
@@ -778,10 +779,9 @@
           <a:lstStyle/>
           <a:p>
             <a:r>
-              <a:rPr lang="ko-KR" altLang="en-US" smtClean="0"/>
+              <a:rPr lang="ko-KR" altLang="en-US"/>
               <a:t>마스터 제목 스타일 편집</a:t>
             </a:r>
-            <a:endParaRPr lang="ko-KR" altLang="en-US"/>
           </a:p>
         </p:txBody>
       </p:sp>
@@ -803,7 +803,7 @@
             <a:fld id="{D8D7A7C4-C82A-4D21-9AB0-F0C5A1D3EF09}" type="datetimeFigureOut">
               <a:rPr lang="ko-KR" altLang="en-US" smtClean="0"/>
               <a:pPr/>
-              <a:t>2009-12-07</a:t>
+              <a:t>(Mon) 2025-09-01</a:t>
             </a:fld>
             <a:endParaRPr lang="ko-KR" altLang="en-US"/>
           </a:p>
@@ -861,7 +861,7 @@
 </file>
 
 <file path=ppt/slideLayouts/slideLayout11.xml><?xml version="1.0" encoding="utf-8"?>
-<p:sldLayout xmlns:r="http://schemas.openxmlformats.org/officeDocument/2006/relationships" xmlns:c="http://schemas.openxmlformats.org/drawingml/2006/chart" xmlns:a="http://schemas.openxmlformats.org/drawingml/2006/main" xmlns:dgm="http://schemas.openxmlformats.org/drawingml/2006/diagram" xmlns:dsp="http://schemas.microsoft.com/office/drawing/2008/diagram" xmlns:p="http://schemas.openxmlformats.org/presentationml/2006/main" showMasterPhAnim="1" type="clipArtAndTx" preserve="1">
+<p:sldLayout xmlns:a="http://schemas.openxmlformats.org/drawingml/2006/main" xmlns:r="http://schemas.openxmlformats.org/officeDocument/2006/relationships" xmlns:p="http://schemas.openxmlformats.org/presentationml/2006/main" type="clipArtAndTx" preserve="1">
   <p:cSld name="목차">
     <p:spTree>
       <p:nvGrpSpPr>
@@ -884,7 +884,7 @@
             <a:spLocks noGrp="1"/>
           </p:cNvSpPr>
           <p:nvPr>
-            <p:ph type="title" idx="0"/>
+            <p:ph type="title"/>
           </p:nvPr>
         </p:nvSpPr>
         <p:spPr>
@@ -902,10 +902,9 @@
           </a:lstStyle>
           <a:p>
             <a:r>
-              <a:rPr lang="ko-KR" altLang="en-US" smtClean="0"/>
+              <a:rPr lang="ko-KR" altLang="en-US"/>
               <a:t>마스터 제목 스타일 편집</a:t>
             </a:r>
-            <a:endParaRPr lang="ko-KR" altLang="en-US"/>
           </a:p>
         </p:txBody>
       </p:sp>
@@ -952,42 +951,37 @@
           <a:p>
             <a:pPr lvl="0"/>
             <a:r>
-              <a:rPr lang="ko-KR" altLang="en-US" smtClean="0"/>
+              <a:rPr lang="ko-KR" altLang="en-US"/>
               <a:t>첫째 목차</a:t>
             </a:r>
-            <a:endParaRPr lang="ko-KR" altLang="en-US"/>
           </a:p>
           <a:p>
             <a:pPr lvl="0"/>
             <a:r>
-              <a:rPr lang="ko-KR" altLang="en-US" smtClean="0"/>
+              <a:rPr lang="ko-KR" altLang="en-US"/>
               <a:t>둘째 목차</a:t>
             </a:r>
-            <a:endParaRPr lang="ko-KR" altLang="en-US"/>
           </a:p>
           <a:p>
             <a:pPr lvl="0"/>
             <a:r>
-              <a:rPr lang="ko-KR" altLang="en-US" smtClean="0"/>
+              <a:rPr lang="ko-KR" altLang="en-US"/>
               <a:t>셋째 목차</a:t>
             </a:r>
-            <a:endParaRPr lang="ko-KR" altLang="en-US"/>
           </a:p>
           <a:p>
             <a:pPr lvl="0"/>
             <a:r>
-              <a:rPr lang="ko-KR" altLang="en-US" smtClean="0"/>
+              <a:rPr lang="ko-KR" altLang="en-US"/>
               <a:t>넷째 목차</a:t>
             </a:r>
-            <a:endParaRPr lang="ko-KR" altLang="en-US"/>
           </a:p>
           <a:p>
             <a:pPr lvl="0"/>
             <a:r>
-              <a:rPr lang="ko-KR" altLang="en-US" smtClean="0"/>
+              <a:rPr lang="ko-KR" altLang="en-US"/>
               <a:t>다섯째 목차</a:t>
             </a:r>
-            <a:endParaRPr lang="ko-KR" altLang="en-US"/>
           </a:p>
         </p:txBody>
       </p:sp>
@@ -1009,7 +1003,7 @@
             <a:fld id="{D8D7A7C4-C82A-4D21-9AB0-F0C5A1D3EF09}" type="datetimeFigureOut">
               <a:rPr lang="ko-KR" altLang="en-US" smtClean="0"/>
               <a:pPr/>
-              <a:t>2009-12-07</a:t>
+              <a:t>(Mon) 2025-09-01</a:t>
             </a:fld>
             <a:endParaRPr lang="ko-KR" altLang="en-US"/>
           </a:p>
@@ -1067,7 +1061,7 @@
 </file>
 
 <file path=ppt/slideLayouts/slideLayout12.xml><?xml version="1.0" encoding="utf-8"?>
-<p:sldLayout xmlns:r="http://schemas.openxmlformats.org/officeDocument/2006/relationships" xmlns:c="http://schemas.openxmlformats.org/drawingml/2006/chart" xmlns:a="http://schemas.openxmlformats.org/drawingml/2006/main" xmlns:dgm="http://schemas.openxmlformats.org/drawingml/2006/diagram" xmlns:dsp="http://schemas.microsoft.com/office/drawing/2008/diagram" xmlns:p="http://schemas.openxmlformats.org/presentationml/2006/main" showMasterPhAnim="1" type="vertTitleAndTx" preserve="1">
+<p:sldLayout xmlns:a="http://schemas.openxmlformats.org/drawingml/2006/main" xmlns:r="http://schemas.openxmlformats.org/officeDocument/2006/relationships" xmlns:p="http://schemas.openxmlformats.org/presentationml/2006/main" type="vertTitleAndTx" preserve="1">
   <p:cSld name="세로 제목 및 본문">
     <p:spTree>
       <p:nvGrpSpPr>
@@ -1090,7 +1084,7 @@
             <a:spLocks noGrp="1"/>
           </p:cNvSpPr>
           <p:nvPr>
-            <p:ph type="title" orient="vert" idx="0"/>
+            <p:ph type="title" orient="vert"/>
           </p:nvPr>
         </p:nvSpPr>
         <p:spPr>
@@ -1104,10 +1098,9 @@
           <a:lstStyle/>
           <a:p>
             <a:r>
-              <a:rPr lang="ko-KR" altLang="en-US" smtClean="0"/>
+              <a:rPr lang="ko-KR" altLang="en-US"/>
               <a:t>마스터 제목 스타일 편집</a:t>
             </a:r>
-            <a:endParaRPr lang="ko-KR" altLang="en-US"/>
           </a:p>
         </p:txBody>
       </p:sp>
@@ -1133,38 +1126,37 @@
           <a:p>
             <a:pPr lvl="0"/>
             <a:r>
-              <a:rPr lang="ko-KR" altLang="en-US" smtClean="0"/>
+              <a:rPr lang="ko-KR" altLang="en-US"/>
               <a:t>마스터 텍스트 스타일을 편집합니다</a:t>
             </a:r>
           </a:p>
           <a:p>
             <a:pPr lvl="1"/>
             <a:r>
-              <a:rPr lang="ko-KR" altLang="en-US" smtClean="0"/>
+              <a:rPr lang="ko-KR" altLang="en-US"/>
               <a:t>둘째 수준</a:t>
             </a:r>
           </a:p>
           <a:p>
             <a:pPr lvl="2"/>
             <a:r>
-              <a:rPr lang="ko-KR" altLang="en-US" smtClean="0"/>
+              <a:rPr lang="ko-KR" altLang="en-US"/>
               <a:t>셋째 수준</a:t>
             </a:r>
           </a:p>
           <a:p>
             <a:pPr lvl="3"/>
             <a:r>
-              <a:rPr lang="ko-KR" altLang="en-US" smtClean="0"/>
+              <a:rPr lang="ko-KR" altLang="en-US"/>
               <a:t>넷째 수준</a:t>
             </a:r>
           </a:p>
           <a:p>
             <a:pPr lvl="4"/>
             <a:r>
-              <a:rPr lang="ko-KR" altLang="en-US" smtClean="0"/>
+              <a:rPr lang="ko-KR" altLang="en-US"/>
               <a:t>다섯째 수준</a:t>
             </a:r>
-            <a:endParaRPr lang="ko-KR" altLang="en-US"/>
           </a:p>
         </p:txBody>
       </p:sp>
@@ -1186,7 +1178,7 @@
             <a:fld id="{D8D7A7C4-C82A-4D21-9AB0-F0C5A1D3EF09}" type="datetimeFigureOut">
               <a:rPr lang="ko-KR" altLang="en-US" smtClean="0"/>
               <a:pPr/>
-              <a:t>2009-12-07</a:t>
+              <a:t>(Mon) 2025-09-01</a:t>
             </a:fld>
             <a:endParaRPr lang="ko-KR" altLang="en-US"/>
           </a:p>
@@ -1244,7 +1236,7 @@
 </file>
 
 <file path=ppt/slideLayouts/slideLayout2.xml><?xml version="1.0" encoding="utf-8"?>
-<p:sldLayout xmlns:r="http://schemas.openxmlformats.org/officeDocument/2006/relationships" xmlns:c="http://schemas.openxmlformats.org/drawingml/2006/chart" xmlns:a="http://schemas.openxmlformats.org/drawingml/2006/main" xmlns:dgm="http://schemas.openxmlformats.org/drawingml/2006/diagram" xmlns:dsp="http://schemas.microsoft.com/office/drawing/2008/diagram" xmlns:p="http://schemas.openxmlformats.org/presentationml/2006/main" showMasterPhAnim="1" type="obj" preserve="1">
+<p:sldLayout xmlns:a="http://schemas.openxmlformats.org/drawingml/2006/main" xmlns:r="http://schemas.openxmlformats.org/officeDocument/2006/relationships" xmlns:p="http://schemas.openxmlformats.org/presentationml/2006/main" type="obj" preserve="1">
   <p:cSld name="제목 및 내용">
     <p:spTree>
       <p:nvGrpSpPr>
@@ -1267,7 +1259,7 @@
             <a:spLocks noGrp="1"/>
           </p:cNvSpPr>
           <p:nvPr>
-            <p:ph type="title" idx="0"/>
+            <p:ph type="title"/>
           </p:nvPr>
         </p:nvSpPr>
         <p:spPr/>
@@ -1276,10 +1268,9 @@
           <a:lstStyle/>
           <a:p>
             <a:r>
-              <a:rPr lang="ko-KR" altLang="en-US" smtClean="0"/>
+              <a:rPr lang="ko-KR" altLang="en-US"/>
               <a:t>마스터 제목 스타일 편집</a:t>
             </a:r>
-            <a:endParaRPr lang="ko-KR" altLang="en-US"/>
           </a:p>
         </p:txBody>
       </p:sp>
@@ -1300,38 +1291,37 @@
           <a:p>
             <a:pPr lvl="0"/>
             <a:r>
-              <a:rPr lang="ko-KR" altLang="en-US" smtClean="0"/>
+              <a:rPr lang="ko-KR" altLang="en-US"/>
               <a:t>마스터 텍스트 스타일을 편집합니다</a:t>
             </a:r>
           </a:p>
           <a:p>
             <a:pPr lvl="1"/>
             <a:r>
-              <a:rPr lang="ko-KR" altLang="en-US" smtClean="0"/>
+              <a:rPr lang="ko-KR" altLang="en-US"/>
               <a:t>둘째 수준</a:t>
             </a:r>
           </a:p>
           <a:p>
             <a:pPr lvl="2"/>
             <a:r>
-              <a:rPr lang="ko-KR" altLang="en-US" smtClean="0"/>
+              <a:rPr lang="ko-KR" altLang="en-US"/>
               <a:t>셋째 수준</a:t>
             </a:r>
           </a:p>
           <a:p>
             <a:pPr lvl="3"/>
             <a:r>
-              <a:rPr lang="ko-KR" altLang="en-US" smtClean="0"/>
+              <a:rPr lang="ko-KR" altLang="en-US"/>
               <a:t>넷째 수준</a:t>
             </a:r>
           </a:p>
           <a:p>
             <a:pPr lvl="4"/>
             <a:r>
-              <a:rPr lang="ko-KR" altLang="en-US" smtClean="0"/>
+              <a:rPr lang="ko-KR" altLang="en-US"/>
               <a:t>다섯째 수준</a:t>
             </a:r>
-            <a:endParaRPr lang="ko-KR" altLang="en-US"/>
           </a:p>
         </p:txBody>
       </p:sp>
@@ -1353,7 +1343,7 @@
             <a:fld id="{D8D7A7C4-C82A-4D21-9AB0-F0C5A1D3EF09}" type="datetimeFigureOut">
               <a:rPr lang="ko-KR" altLang="en-US" smtClean="0"/>
               <a:pPr/>
-              <a:t>2009-12-07</a:t>
+              <a:t>(Mon) 2025-09-01</a:t>
             </a:fld>
             <a:endParaRPr lang="ko-KR" altLang="en-US"/>
           </a:p>
@@ -1411,7 +1401,7 @@
 </file>
 
 <file path=ppt/slideLayouts/slideLayout3.xml><?xml version="1.0" encoding="utf-8"?>
-<p:sldLayout xmlns:r="http://schemas.openxmlformats.org/officeDocument/2006/relationships" xmlns:c="http://schemas.openxmlformats.org/drawingml/2006/chart" xmlns:a="http://schemas.openxmlformats.org/drawingml/2006/main" xmlns:dgm="http://schemas.openxmlformats.org/drawingml/2006/diagram" xmlns:dsp="http://schemas.microsoft.com/office/drawing/2008/diagram" xmlns:p="http://schemas.openxmlformats.org/presentationml/2006/main" showMasterPhAnim="1" type="blank" preserve="1">
+<p:sldLayout xmlns:a="http://schemas.openxmlformats.org/drawingml/2006/main" xmlns:r="http://schemas.openxmlformats.org/officeDocument/2006/relationships" xmlns:p="http://schemas.openxmlformats.org/presentationml/2006/main" type="blank" preserve="1">
   <p:cSld name="빈 화면">
     <p:spTree>
       <p:nvGrpSpPr>
@@ -1445,7 +1435,7 @@
             <a:fld id="{D8D7A7C4-C82A-4D21-9AB0-F0C5A1D3EF09}" type="datetimeFigureOut">
               <a:rPr lang="ko-KR" altLang="en-US" smtClean="0"/>
               <a:pPr/>
-              <a:t>2009-12-07</a:t>
+              <a:t>(Mon) 2025-09-01</a:t>
             </a:fld>
             <a:endParaRPr lang="ko-KR" altLang="en-US"/>
           </a:p>
@@ -1503,7 +1493,7 @@
 </file>
 
 <file path=ppt/slideLayouts/slideLayout4.xml><?xml version="1.0" encoding="utf-8"?>
-<p:sldLayout xmlns:r="http://schemas.openxmlformats.org/officeDocument/2006/relationships" xmlns:c="http://schemas.openxmlformats.org/drawingml/2006/chart" xmlns:a="http://schemas.openxmlformats.org/drawingml/2006/main" xmlns:dgm="http://schemas.openxmlformats.org/drawingml/2006/diagram" xmlns:dsp="http://schemas.microsoft.com/office/drawing/2008/diagram" xmlns:p="http://schemas.openxmlformats.org/presentationml/2006/main" showMasterPhAnim="1" type="secHead" preserve="1">
+<p:sldLayout xmlns:a="http://schemas.openxmlformats.org/drawingml/2006/main" xmlns:r="http://schemas.openxmlformats.org/officeDocument/2006/relationships" xmlns:p="http://schemas.openxmlformats.org/presentationml/2006/main" type="secHead" preserve="1">
   <p:cSld name="구역 머리글">
     <p:spTree>
       <p:nvGrpSpPr>
@@ -1526,7 +1516,7 @@
             <a:spLocks noGrp="1"/>
           </p:cNvSpPr>
           <p:nvPr>
-            <p:ph type="title" idx="0"/>
+            <p:ph type="title"/>
           </p:nvPr>
         </p:nvSpPr>
         <p:spPr>
@@ -1544,10 +1534,9 @@
           </a:lstStyle>
           <a:p>
             <a:r>
-              <a:rPr lang="ko-KR" altLang="en-US" smtClean="0"/>
+              <a:rPr lang="ko-KR" altLang="en-US"/>
               <a:t>마스터 제목 스타일 편집</a:t>
             </a:r>
-            <a:endParaRPr lang="ko-KR" altLang="en-US"/>
           </a:p>
         </p:txBody>
       </p:sp>
@@ -1664,7 +1653,7 @@
           <a:p>
             <a:pPr lvl="0"/>
             <a:r>
-              <a:rPr lang="ko-KR" altLang="en-US" smtClean="0"/>
+              <a:rPr lang="ko-KR" altLang="en-US"/>
               <a:t>마스터 텍스트 스타일을 편집합니다</a:t>
             </a:r>
           </a:p>
@@ -1688,7 +1677,7 @@
             <a:fld id="{D8D7A7C4-C82A-4D21-9AB0-F0C5A1D3EF09}" type="datetimeFigureOut">
               <a:rPr lang="ko-KR" altLang="en-US" smtClean="0"/>
               <a:pPr/>
-              <a:t>2009-12-07</a:t>
+              <a:t>(Mon) 2025-09-01</a:t>
             </a:fld>
             <a:endParaRPr lang="ko-KR" altLang="en-US"/>
           </a:p>
@@ -1746,7 +1735,7 @@
 </file>
 
 <file path=ppt/slideLayouts/slideLayout5.xml><?xml version="1.0" encoding="utf-8"?>
-<p:sldLayout xmlns:r="http://schemas.openxmlformats.org/officeDocument/2006/relationships" xmlns:c="http://schemas.openxmlformats.org/drawingml/2006/chart" xmlns:a="http://schemas.openxmlformats.org/drawingml/2006/main" xmlns:dgm="http://schemas.openxmlformats.org/drawingml/2006/diagram" xmlns:dsp="http://schemas.microsoft.com/office/drawing/2008/diagram" xmlns:p="http://schemas.openxmlformats.org/presentationml/2006/main" showMasterPhAnim="1" type="twoObj" preserve="1">
+<p:sldLayout xmlns:a="http://schemas.openxmlformats.org/drawingml/2006/main" xmlns:r="http://schemas.openxmlformats.org/officeDocument/2006/relationships" xmlns:p="http://schemas.openxmlformats.org/presentationml/2006/main" type="twoObj" preserve="1">
   <p:cSld name="제목 및 내용 2개">
     <p:spTree>
       <p:nvGrpSpPr>
@@ -1769,7 +1758,7 @@
             <a:spLocks noGrp="1"/>
           </p:cNvSpPr>
           <p:nvPr>
-            <p:ph type="title" idx="0"/>
+            <p:ph type="title"/>
           </p:nvPr>
         </p:nvSpPr>
         <p:spPr/>
@@ -1778,10 +1767,9 @@
           <a:lstStyle/>
           <a:p>
             <a:r>
-              <a:rPr lang="ko-KR" altLang="en-US" smtClean="0"/>
+              <a:rPr lang="ko-KR" altLang="en-US"/>
               <a:t>마스터 제목 스타일 편집</a:t>
             </a:r>
-            <a:endParaRPr lang="ko-KR" altLang="en-US"/>
           </a:p>
         </p:txBody>
       </p:sp>
@@ -1835,38 +1823,37 @@
           <a:p>
             <a:pPr lvl="0"/>
             <a:r>
-              <a:rPr lang="ko-KR" altLang="en-US" smtClean="0"/>
+              <a:rPr lang="ko-KR" altLang="en-US"/>
               <a:t>마스터 텍스트 스타일을 편집합니다</a:t>
             </a:r>
           </a:p>
           <a:p>
             <a:pPr lvl="1"/>
             <a:r>
-              <a:rPr lang="ko-KR" altLang="en-US" smtClean="0"/>
+              <a:rPr lang="ko-KR" altLang="en-US"/>
               <a:t>둘째 수준</a:t>
             </a:r>
           </a:p>
           <a:p>
             <a:pPr lvl="2"/>
             <a:r>
-              <a:rPr lang="ko-KR" altLang="en-US" smtClean="0"/>
+              <a:rPr lang="ko-KR" altLang="en-US"/>
               <a:t>셋째 수준</a:t>
             </a:r>
           </a:p>
           <a:p>
             <a:pPr lvl="3"/>
             <a:r>
-              <a:rPr lang="ko-KR" altLang="en-US" smtClean="0"/>
+              <a:rPr lang="ko-KR" altLang="en-US"/>
               <a:t>넷째 수준</a:t>
             </a:r>
           </a:p>
           <a:p>
             <a:pPr lvl="4"/>
             <a:r>
-              <a:rPr lang="ko-KR" altLang="en-US" smtClean="0"/>
+              <a:rPr lang="ko-KR" altLang="en-US"/>
               <a:t>다섯째 수준</a:t>
             </a:r>
-            <a:endParaRPr lang="ko-KR" altLang="en-US"/>
           </a:p>
         </p:txBody>
       </p:sp>
@@ -1920,38 +1907,37 @@
           <a:p>
             <a:pPr lvl="0"/>
             <a:r>
-              <a:rPr lang="ko-KR" altLang="en-US" smtClean="0"/>
+              <a:rPr lang="ko-KR" altLang="en-US"/>
               <a:t>마스터 텍스트 스타일을 편집합니다</a:t>
             </a:r>
           </a:p>
           <a:p>
             <a:pPr lvl="1"/>
             <a:r>
-              <a:rPr lang="ko-KR" altLang="en-US" smtClean="0"/>
+              <a:rPr lang="ko-KR" altLang="en-US"/>
               <a:t>둘째 수준</a:t>
             </a:r>
           </a:p>
           <a:p>
             <a:pPr lvl="2"/>
             <a:r>
-              <a:rPr lang="ko-KR" altLang="en-US" smtClean="0"/>
+              <a:rPr lang="ko-KR" altLang="en-US"/>
               <a:t>셋째 수준</a:t>
             </a:r>
           </a:p>
           <a:p>
             <a:pPr lvl="3"/>
             <a:r>
-              <a:rPr lang="ko-KR" altLang="en-US" smtClean="0"/>
+              <a:rPr lang="ko-KR" altLang="en-US"/>
               <a:t>넷째 수준</a:t>
             </a:r>
           </a:p>
           <a:p>
             <a:pPr lvl="4"/>
             <a:r>
-              <a:rPr lang="ko-KR" altLang="en-US" smtClean="0"/>
+              <a:rPr lang="ko-KR" altLang="en-US"/>
               <a:t>다섯째 수준</a:t>
             </a:r>
-            <a:endParaRPr lang="ko-KR" altLang="en-US"/>
           </a:p>
         </p:txBody>
       </p:sp>
@@ -1973,7 +1959,7 @@
             <a:fld id="{D8D7A7C4-C82A-4D21-9AB0-F0C5A1D3EF09}" type="datetimeFigureOut">
               <a:rPr lang="ko-KR" altLang="en-US" smtClean="0"/>
               <a:pPr/>
-              <a:t>2009-12-07</a:t>
+              <a:t>(Mon) 2025-09-01</a:t>
             </a:fld>
             <a:endParaRPr lang="ko-KR" altLang="en-US"/>
           </a:p>
@@ -2031,7 +2017,7 @@
 </file>
 
 <file path=ppt/slideLayouts/slideLayout6.xml><?xml version="1.0" encoding="utf-8"?>
-<p:sldLayout xmlns:r="http://schemas.openxmlformats.org/officeDocument/2006/relationships" xmlns:c="http://schemas.openxmlformats.org/drawingml/2006/chart" xmlns:a="http://schemas.openxmlformats.org/drawingml/2006/main" xmlns:dgm="http://schemas.openxmlformats.org/drawingml/2006/diagram" xmlns:dsp="http://schemas.microsoft.com/office/drawing/2008/diagram" xmlns:p="http://schemas.openxmlformats.org/presentationml/2006/main" showMasterPhAnim="1" type="titleOnly" preserve="1">
+<p:sldLayout xmlns:a="http://schemas.openxmlformats.org/drawingml/2006/main" xmlns:r="http://schemas.openxmlformats.org/officeDocument/2006/relationships" xmlns:p="http://schemas.openxmlformats.org/presentationml/2006/main" type="titleOnly" preserve="1">
   <p:cSld name="제목만">
     <p:spTree>
       <p:nvGrpSpPr>
@@ -2054,7 +2040,7 @@
             <a:spLocks noGrp="1"/>
           </p:cNvSpPr>
           <p:nvPr>
-            <p:ph type="title" idx="0"/>
+            <p:ph type="title"/>
           </p:nvPr>
         </p:nvSpPr>
         <p:spPr/>
@@ -2063,10 +2049,9 @@
           <a:lstStyle/>
           <a:p>
             <a:r>
-              <a:rPr lang="ko-KR" altLang="en-US" smtClean="0"/>
+              <a:rPr lang="ko-KR" altLang="en-US"/>
               <a:t>마스터 제목 스타일 편집</a:t>
             </a:r>
-            <a:endParaRPr lang="ko-KR" altLang="en-US"/>
           </a:p>
         </p:txBody>
       </p:sp>
@@ -2088,7 +2073,7 @@
             <a:fld id="{D8D7A7C4-C82A-4D21-9AB0-F0C5A1D3EF09}" type="datetimeFigureOut">
               <a:rPr lang="ko-KR" altLang="en-US" smtClean="0"/>
               <a:pPr/>
-              <a:t>2009-12-07</a:t>
+              <a:t>(Mon) 2025-09-01</a:t>
             </a:fld>
             <a:endParaRPr lang="ko-KR" altLang="en-US"/>
           </a:p>
@@ -2146,7 +2131,7 @@
 </file>
 
 <file path=ppt/slideLayouts/slideLayout7.xml><?xml version="1.0" encoding="utf-8"?>
-<p:sldLayout xmlns:r="http://schemas.openxmlformats.org/officeDocument/2006/relationships" xmlns:c="http://schemas.openxmlformats.org/drawingml/2006/chart" xmlns:a="http://schemas.openxmlformats.org/drawingml/2006/main" xmlns:dgm="http://schemas.openxmlformats.org/drawingml/2006/diagram" xmlns:dsp="http://schemas.microsoft.com/office/drawing/2008/diagram" xmlns:p="http://schemas.openxmlformats.org/presentationml/2006/main" showMasterPhAnim="1" type="tbl" preserve="1">
+<p:sldLayout xmlns:a="http://schemas.openxmlformats.org/drawingml/2006/main" xmlns:r="http://schemas.openxmlformats.org/officeDocument/2006/relationships" xmlns:p="http://schemas.openxmlformats.org/presentationml/2006/main" type="tbl" preserve="1">
   <p:cSld name="제목 및 표">
     <p:spTree>
       <p:nvGrpSpPr>
@@ -2169,7 +2154,7 @@
             <a:spLocks noGrp="1"/>
           </p:cNvSpPr>
           <p:nvPr>
-            <p:ph type="title" idx="0"/>
+            <p:ph type="title"/>
           </p:nvPr>
         </p:nvSpPr>
         <p:spPr/>
@@ -2178,10 +2163,9 @@
           <a:lstStyle/>
           <a:p>
             <a:r>
-              <a:rPr lang="ko-KR" altLang="en-US" smtClean="0"/>
+              <a:rPr lang="ko-KR" altLang="en-US"/>
               <a:t>마스터 제목 스타일 편집</a:t>
             </a:r>
-            <a:endParaRPr lang="ko-KR" altLang="en-US"/>
           </a:p>
         </p:txBody>
       </p:sp>
@@ -2212,10 +2196,9 @@
           </a:lstStyle>
           <a:p>
             <a:r>
-              <a:rPr lang="ko-KR" altLang="en-US" smtClean="0"/>
+              <a:rPr lang="ko-KR" altLang="en-US"/>
               <a:t>표를 추가하려면 아이콘을 클릭하십시오</a:t>
             </a:r>
-            <a:endParaRPr lang="ko-KR" altLang="en-US"/>
           </a:p>
         </p:txBody>
       </p:sp>
@@ -2237,7 +2220,7 @@
             <a:fld id="{D8D7A7C4-C82A-4D21-9AB0-F0C5A1D3EF09}" type="datetimeFigureOut">
               <a:rPr lang="ko-KR" altLang="en-US" smtClean="0"/>
               <a:pPr/>
-              <a:t>2009-12-07</a:t>
+              <a:t>(Mon) 2025-09-01</a:t>
             </a:fld>
             <a:endParaRPr lang="ko-KR" altLang="en-US"/>
           </a:p>
@@ -2295,7 +2278,7 @@
 </file>
 
 <file path=ppt/slideLayouts/slideLayout8.xml><?xml version="1.0" encoding="utf-8"?>
-<p:sldLayout xmlns:r="http://schemas.openxmlformats.org/officeDocument/2006/relationships" xmlns:c="http://schemas.openxmlformats.org/drawingml/2006/chart" xmlns:a="http://schemas.openxmlformats.org/drawingml/2006/main" xmlns:dgm="http://schemas.openxmlformats.org/drawingml/2006/diagram" xmlns:dsp="http://schemas.microsoft.com/office/drawing/2008/diagram" xmlns:p="http://schemas.openxmlformats.org/presentationml/2006/main" showMasterPhAnim="1" matchingName="제목 및 내용 4개" type="fourObj" preserve="1">
+<p:sldLayout xmlns:a="http://schemas.openxmlformats.org/drawingml/2006/main" xmlns:r="http://schemas.openxmlformats.org/officeDocument/2006/relationships" xmlns:p="http://schemas.openxmlformats.org/presentationml/2006/main" matchingName="제목 및 내용 4개" type="fourObj" preserve="1">
   <p:cSld name="제목 및 내용 4개">
     <p:spTree>
       <p:nvGrpSpPr>
@@ -2318,7 +2301,7 @@
             <a:spLocks noGrp="1"/>
           </p:cNvSpPr>
           <p:nvPr>
-            <p:ph type="title" idx="0"/>
+            <p:ph type="title"/>
           </p:nvPr>
         </p:nvSpPr>
         <p:spPr/>
@@ -2333,7 +2316,6 @@
               <a:rPr lang="ko-KR" altLang="en-US"/>
               <a:t>마스터 제목 스타일 편집</a:t>
             </a:r>
-            <a:endParaRPr lang="ko-KR" altLang="en-US"/>
           </a:p>
         </p:txBody>
       </p:sp>
@@ -2392,7 +2374,6 @@
               <a:rPr lang="ko-KR" altLang="en-US"/>
               <a:t>마스터 텍스트 스타일을 편집합니다</a:t>
             </a:r>
-            <a:endParaRPr lang="ko-KR" altLang="en-US"/>
           </a:p>
           <a:p>
             <a:pPr lvl="1">
@@ -2402,7 +2383,6 @@
               <a:rPr lang="ko-KR" altLang="en-US"/>
               <a:t>둘째 수준</a:t>
             </a:r>
-            <a:endParaRPr lang="ko-KR" altLang="en-US"/>
           </a:p>
           <a:p>
             <a:pPr lvl="2">
@@ -2412,7 +2392,6 @@
               <a:rPr lang="ko-KR" altLang="en-US"/>
               <a:t>셋째 수준</a:t>
             </a:r>
-            <a:endParaRPr lang="ko-KR" altLang="en-US"/>
           </a:p>
           <a:p>
             <a:pPr lvl="3">
@@ -2422,7 +2401,6 @@
               <a:rPr lang="ko-KR" altLang="en-US"/>
               <a:t>넷째 수준</a:t>
             </a:r>
-            <a:endParaRPr lang="ko-KR" altLang="en-US"/>
           </a:p>
           <a:p>
             <a:pPr lvl="4">
@@ -2432,7 +2410,6 @@
               <a:rPr lang="ko-KR" altLang="en-US"/>
               <a:t>다섯째 수준</a:t>
             </a:r>
-            <a:endParaRPr lang="ko-KR" altLang="en-US"/>
           </a:p>
         </p:txBody>
       </p:sp>
@@ -2491,7 +2468,6 @@
               <a:rPr lang="ko-KR" altLang="en-US"/>
               <a:t>마스터 텍스트 스타일을 편집합니다</a:t>
             </a:r>
-            <a:endParaRPr lang="ko-KR" altLang="en-US"/>
           </a:p>
           <a:p>
             <a:pPr lvl="1">
@@ -2501,7 +2477,6 @@
               <a:rPr lang="ko-KR" altLang="en-US"/>
               <a:t>둘째 수준</a:t>
             </a:r>
-            <a:endParaRPr lang="ko-KR" altLang="en-US"/>
           </a:p>
           <a:p>
             <a:pPr lvl="2">
@@ -2511,7 +2486,6 @@
               <a:rPr lang="ko-KR" altLang="en-US"/>
               <a:t>셋째 수준</a:t>
             </a:r>
-            <a:endParaRPr lang="ko-KR" altLang="en-US"/>
           </a:p>
           <a:p>
             <a:pPr lvl="3">
@@ -2521,7 +2495,6 @@
               <a:rPr lang="ko-KR" altLang="en-US"/>
               <a:t>넷째 수준</a:t>
             </a:r>
-            <a:endParaRPr lang="ko-KR" altLang="en-US"/>
           </a:p>
           <a:p>
             <a:pPr lvl="4">
@@ -2531,7 +2504,6 @@
               <a:rPr lang="ko-KR" altLang="en-US"/>
               <a:t>다섯째 수준</a:t>
             </a:r>
-            <a:endParaRPr lang="ko-KR" altLang="en-US"/>
           </a:p>
         </p:txBody>
       </p:sp>
@@ -2590,7 +2562,6 @@
               <a:rPr lang="ko-KR" altLang="en-US"/>
               <a:t>마스터 텍스트 스타일을 편집합니다</a:t>
             </a:r>
-            <a:endParaRPr lang="ko-KR" altLang="en-US"/>
           </a:p>
           <a:p>
             <a:pPr lvl="1">
@@ -2600,7 +2571,6 @@
               <a:rPr lang="ko-KR" altLang="en-US"/>
               <a:t>둘째 수준</a:t>
             </a:r>
-            <a:endParaRPr lang="ko-KR" altLang="en-US"/>
           </a:p>
           <a:p>
             <a:pPr lvl="2">
@@ -2610,7 +2580,6 @@
               <a:rPr lang="ko-KR" altLang="en-US"/>
               <a:t>셋째 수준</a:t>
             </a:r>
-            <a:endParaRPr lang="ko-KR" altLang="en-US"/>
           </a:p>
           <a:p>
             <a:pPr lvl="3">
@@ -2620,7 +2589,6 @@
               <a:rPr lang="ko-KR" altLang="en-US"/>
               <a:t>넷째 수준</a:t>
             </a:r>
-            <a:endParaRPr lang="ko-KR" altLang="en-US"/>
           </a:p>
           <a:p>
             <a:pPr lvl="4">
@@ -2630,7 +2598,6 @@
               <a:rPr lang="ko-KR" altLang="en-US"/>
               <a:t>다섯째 수준</a:t>
             </a:r>
-            <a:endParaRPr lang="ko-KR" altLang="en-US"/>
           </a:p>
         </p:txBody>
       </p:sp>
@@ -2689,7 +2656,6 @@
               <a:rPr lang="ko-KR" altLang="en-US"/>
               <a:t>마스터 텍스트 스타일을 편집합니다</a:t>
             </a:r>
-            <a:endParaRPr lang="ko-KR" altLang="en-US"/>
           </a:p>
           <a:p>
             <a:pPr lvl="1">
@@ -2699,7 +2665,6 @@
               <a:rPr lang="ko-KR" altLang="en-US"/>
               <a:t>둘째 수준</a:t>
             </a:r>
-            <a:endParaRPr lang="ko-KR" altLang="en-US"/>
           </a:p>
           <a:p>
             <a:pPr lvl="2">
@@ -2709,7 +2674,6 @@
               <a:rPr lang="ko-KR" altLang="en-US"/>
               <a:t>셋째 수준</a:t>
             </a:r>
-            <a:endParaRPr lang="ko-KR" altLang="en-US"/>
           </a:p>
           <a:p>
             <a:pPr lvl="3">
@@ -2719,7 +2683,6 @@
               <a:rPr lang="ko-KR" altLang="en-US"/>
               <a:t>넷째 수준</a:t>
             </a:r>
-            <a:endParaRPr lang="ko-KR" altLang="en-US"/>
           </a:p>
           <a:p>
             <a:pPr lvl="4">
@@ -2729,7 +2692,6 @@
               <a:rPr lang="ko-KR" altLang="en-US"/>
               <a:t>다섯째 수준</a:t>
             </a:r>
-            <a:endParaRPr lang="ko-KR" altLang="en-US"/>
           </a:p>
         </p:txBody>
       </p:sp>
@@ -2771,7 +2733,7 @@
                 <a:spcPct val="0"/>
               </a:spcAft>
               <a:buNone/>
-              <a:defRPr xmlns:mc="http://schemas.openxmlformats.org/markup-compatibility/2006" xmlns:hp="http://schemas.haansoft.com/office/presentation/8.0" kumimoji="0" lang="ko-KR" altLang="en-US" sz="1200" b="0" i="0" baseline="0" mc:Ignorable="hp" hp:hslEmbossed="0">
+              <a:defRPr kumimoji="0" lang="ko-KR" altLang="en-US" sz="1200" b="0" i="0" baseline="0">
                 <a:solidFill>
                   <a:schemeClr val="bg1"/>
                 </a:solidFill>
@@ -2795,7 +2757,7 @@
               <a:defRPr lang="ko-KR" altLang="en-US"/>
             </a:pPr>
             <a:fld id="{D8D7A7C4-C82A-4D21-9AB0-F0C5A1D3EF09}" type="datetime1">
-              <a:rPr xmlns:mc="http://schemas.openxmlformats.org/markup-compatibility/2006" xmlns:hp="http://schemas.haansoft.com/office/presentation/8.0" kumimoji="0" lang="ko-KR" altLang="en-US" sz="1200" b="0" i="0" mc:Ignorable="hp" hp:hslEmbossed="0">
+              <a:rPr kumimoji="0" lang="ko-KR" altLang="en-US" sz="1200" b="0" i="0">
                 <a:solidFill>
                   <a:schemeClr val="bg1"/>
                 </a:solidFill>
@@ -2815,9 +2777,9 @@
                 <a:buNone/>
                 <a:defRPr lang="ko-KR" altLang="en-US"/>
               </a:pPr>
-              <a:t>2025-08-25</a:t>
+              <a:t>(Mon) 2025-09-01</a:t>
             </a:fld>
-            <a:endParaRPr xmlns:mc="http://schemas.openxmlformats.org/markup-compatibility/2006" xmlns:hp="http://schemas.haansoft.com/office/presentation/8.0" kumimoji="0" lang="ko-KR" altLang="en-US" sz="1200" b="0" i="0" mc:Ignorable="hp" hp:hslEmbossed="0">
+            <a:endParaRPr kumimoji="0" lang="ko-KR" altLang="en-US" sz="1200" b="0" i="0">
               <a:solidFill>
                 <a:schemeClr val="bg1"/>
               </a:solidFill>
@@ -2865,7 +2827,7 @@
                 <a:spcPct val="0"/>
               </a:spcAft>
               <a:buNone/>
-              <a:defRPr xmlns:mc="http://schemas.openxmlformats.org/markup-compatibility/2006" xmlns:hp="http://schemas.haansoft.com/office/presentation/8.0" kumimoji="0" lang="ko-KR" altLang="en-US" sz="1200" b="0" i="0" baseline="0" mc:Ignorable="hp" hp:hslEmbossed="0">
+              <a:defRPr kumimoji="0" lang="ko-KR" altLang="en-US" sz="1200" b="0" i="0" baseline="0">
                 <a:solidFill>
                   <a:schemeClr val="bg1"/>
                 </a:solidFill>
@@ -2888,17 +2850,7 @@
               <a:buNone/>
               <a:defRPr lang="ko-KR" altLang="en-US"/>
             </a:pPr>
-            <a:r>
-              <a:rPr xmlns:mc="http://schemas.openxmlformats.org/markup-compatibility/2006" xmlns:hp="http://schemas.haansoft.com/office/presentation/8.0" kumimoji="0" lang="ko-KR" altLang="en-US" sz="1200" b="0" i="0" mc:Ignorable="hp" hp:hslEmbossed="0">
-                <a:solidFill>
-                  <a:schemeClr val="bg1"/>
-                </a:solidFill>
-                <a:latin typeface="맑은 고딕"/>
-                <a:ea typeface="맑은 고딕"/>
-              </a:rPr>
-              <a:t/>
-            </a:r>
-            <a:endParaRPr xmlns:mc="http://schemas.openxmlformats.org/markup-compatibility/2006" xmlns:hp="http://schemas.haansoft.com/office/presentation/8.0" kumimoji="0" lang="ko-KR" altLang="en-US" sz="1200" b="0" i="0" mc:Ignorable="hp" hp:hslEmbossed="0">
+            <a:endParaRPr kumimoji="0" lang="ko-KR" altLang="en-US" sz="1200" b="0" i="0">
               <a:solidFill>
                 <a:schemeClr val="bg1"/>
               </a:solidFill>
@@ -2946,7 +2898,7 @@
                 <a:spcPct val="0"/>
               </a:spcAft>
               <a:buNone/>
-              <a:defRPr xmlns:mc="http://schemas.openxmlformats.org/markup-compatibility/2006" xmlns:hp="http://schemas.haansoft.com/office/presentation/8.0" kumimoji="0" lang="ko-KR" altLang="en-US" sz="1200" b="0" i="0" baseline="0" mc:Ignorable="hp" hp:hslEmbossed="0">
+              <a:defRPr kumimoji="0" lang="ko-KR" altLang="en-US" sz="1200" b="0" i="0" baseline="0">
                 <a:solidFill>
                   <a:schemeClr val="bg1"/>
                 </a:solidFill>
@@ -2970,7 +2922,7 @@
               <a:defRPr lang="ko-KR" altLang="en-US"/>
             </a:pPr>
             <a:fld id="{0028951E-B3FF-4BB1-954F-21D56E0566D2}" type="slidenum">
-              <a:rPr xmlns:mc="http://schemas.openxmlformats.org/markup-compatibility/2006" xmlns:hp="http://schemas.haansoft.com/office/presentation/8.0" kumimoji="0" lang="ko-KR" altLang="en-US" sz="1200" b="0" i="0" mc:Ignorable="hp" hp:hslEmbossed="0">
+              <a:rPr kumimoji="0" lang="ko-KR" altLang="en-US" sz="1200" b="0" i="0">
                 <a:solidFill>
                   <a:schemeClr val="bg1"/>
                 </a:solidFill>
@@ -2992,7 +2944,7 @@
               </a:pPr>
               <a:t>‹#›</a:t>
             </a:fld>
-            <a:endParaRPr xmlns:mc="http://schemas.openxmlformats.org/markup-compatibility/2006" xmlns:hp="http://schemas.haansoft.com/office/presentation/8.0" kumimoji="0" lang="ko-KR" altLang="en-US" sz="1200" b="0" i="0" mc:Ignorable="hp" hp:hslEmbossed="0">
+            <a:endParaRPr kumimoji="0" lang="ko-KR" altLang="en-US" sz="1200" b="0" i="0">
               <a:solidFill>
                 <a:schemeClr val="bg1"/>
               </a:solidFill>
@@ -3007,12 +2959,12 @@
   <p:clrMapOvr>
     <a:masterClrMapping/>
   </p:clrMapOvr>
-  <p:transition xmlns:mc="http://schemas.openxmlformats.org/markup-compatibility/2006" xmlns:hp="http://schemas.haansoft.com/office/presentation/8.0" mc:Ignorable="hp" hp:hslDur="500"/>
+  <p:transition/>
 </p:sldLayout>
 </file>
 
 <file path=ppt/slideLayouts/slideLayout9.xml><?xml version="1.0" encoding="utf-8"?>
-<p:sldLayout xmlns:r="http://schemas.openxmlformats.org/officeDocument/2006/relationships" xmlns:c="http://schemas.openxmlformats.org/drawingml/2006/chart" xmlns:a="http://schemas.openxmlformats.org/drawingml/2006/main" xmlns:dgm="http://schemas.openxmlformats.org/drawingml/2006/diagram" xmlns:dsp="http://schemas.microsoft.com/office/drawing/2008/diagram" xmlns:p="http://schemas.openxmlformats.org/presentationml/2006/main" showMasterPhAnim="1" type="picTx" preserve="1">
+<p:sldLayout xmlns:a="http://schemas.openxmlformats.org/drawingml/2006/main" xmlns:r="http://schemas.openxmlformats.org/officeDocument/2006/relationships" xmlns:p="http://schemas.openxmlformats.org/presentationml/2006/main" type="picTx" preserve="1">
   <p:cSld name="그림 및 설명">
     <p:spTree>
       <p:nvGrpSpPr>
@@ -3035,7 +2987,7 @@
             <a:spLocks noGrp="1"/>
           </p:cNvSpPr>
           <p:nvPr>
-            <p:ph type="title" idx="0"/>
+            <p:ph type="title"/>
           </p:nvPr>
         </p:nvSpPr>
         <p:spPr>
@@ -3053,10 +3005,9 @@
           </a:lstStyle>
           <a:p>
             <a:r>
-              <a:rPr lang="ko-KR" altLang="en-US" smtClean="0"/>
+              <a:rPr lang="ko-KR" altLang="en-US"/>
               <a:t>마스터 제목 스타일 편집</a:t>
             </a:r>
-            <a:endParaRPr lang="ko-KR" altLang="en-US"/>
           </a:p>
         </p:txBody>
       </p:sp>
@@ -3084,10 +3035,9 @@
           <a:p>
             <a:pPr lvl="0"/>
             <a:r>
-              <a:rPr lang="ko-KR" altLang="en-US" smtClean="0"/>
+              <a:rPr lang="ko-KR" altLang="en-US"/>
               <a:t>그림을 추가하려면 아이콘을 클릭하십시오</a:t>
             </a:r>
-            <a:endParaRPr lang="ko-KR" altLang="en-US"/>
           </a:p>
         </p:txBody>
       </p:sp>
@@ -3141,7 +3091,7 @@
           <a:p>
             <a:pPr lvl="0"/>
             <a:r>
-              <a:rPr lang="ko-KR" altLang="en-US" smtClean="0"/>
+              <a:rPr lang="ko-KR" altLang="en-US"/>
               <a:t>마스터 텍스트 스타일을 편집합니다</a:t>
             </a:r>
           </a:p>
@@ -3165,7 +3115,7 @@
             <a:fld id="{D8D7A7C4-C82A-4D21-9AB0-F0C5A1D3EF09}" type="datetimeFigureOut">
               <a:rPr lang="ko-KR" altLang="en-US" smtClean="0"/>
               <a:pPr/>
-              <a:t>2009-12-07</a:t>
+              <a:t>(Mon) 2025-09-01</a:t>
             </a:fld>
             <a:endParaRPr lang="ko-KR" altLang="en-US"/>
           </a:p>
@@ -3223,15 +3173,16 @@
 </file>
 
 <file path=ppt/slideMasters/slideMaster1.xml><?xml version="1.0" encoding="utf-8"?>
-<p:sldMaster xmlns:r="http://schemas.openxmlformats.org/officeDocument/2006/relationships" xmlns:c="http://schemas.openxmlformats.org/drawingml/2006/chart" xmlns:a="http://schemas.openxmlformats.org/drawingml/2006/main" xmlns:dgm="http://schemas.openxmlformats.org/drawingml/2006/diagram" xmlns:dsp="http://schemas.microsoft.com/office/drawing/2008/diagram" xmlns:p="http://schemas.openxmlformats.org/presentationml/2006/main">
+<p:sldMaster xmlns:a="http://schemas.openxmlformats.org/drawingml/2006/main" xmlns:r="http://schemas.openxmlformats.org/officeDocument/2006/relationships" xmlns:p="http://schemas.openxmlformats.org/presentationml/2006/main">
   <p:cSld>
     <p:bg>
-      <p:bgPr shadeToTitle="0">
+      <p:bgPr>
         <a:solidFill>
           <a:schemeClr val="bg1">
             <a:alpha val="100000"/>
           </a:schemeClr>
         </a:solidFill>
+        <a:effectLst/>
       </p:bgPr>
     </p:bg>
     <p:spTree>
@@ -3255,7 +3206,7 @@
             <a:spLocks noGrp="1"/>
           </p:cNvSpPr>
           <p:nvPr>
-            <p:ph type="title" idx="0"/>
+            <p:ph type="title"/>
           </p:nvPr>
         </p:nvSpPr>
         <p:spPr>
@@ -3293,7 +3244,7 @@
               <a:defRPr lang="ko-KR" altLang="en-US"/>
             </a:pPr>
             <a:r>
-              <a:rPr xmlns:mc="http://schemas.openxmlformats.org/markup-compatibility/2006" xmlns:hp="http://schemas.haansoft.com/office/presentation/8.0" kumimoji="0" lang="ko-KR" altLang="en-US" sz="4400" b="0" i="0" mc:Ignorable="hp" hp:hslEmbossed="0">
+              <a:rPr kumimoji="0" lang="ko-KR" altLang="en-US" sz="4400" b="0" i="0">
                 <a:solidFill>
                   <a:schemeClr val="bg1"/>
                 </a:solidFill>
@@ -3302,13 +3253,6 @@
               </a:rPr>
               <a:t>마스터 제목 스타일 편집</a:t>
             </a:r>
-            <a:endParaRPr xmlns:mc="http://schemas.openxmlformats.org/markup-compatibility/2006" xmlns:hp="http://schemas.haansoft.com/office/presentation/8.0" kumimoji="0" lang="ko-KR" altLang="en-US" sz="4400" b="0" i="0" mc:Ignorable="hp" hp:hslEmbossed="0">
-              <a:solidFill>
-                <a:schemeClr val="bg1"/>
-              </a:solidFill>
-              <a:latin typeface="맑은 고딕"/>
-              <a:ea typeface="맑은 고딕"/>
-            </a:endParaRPr>
           </a:p>
         </p:txBody>
       </p:sp>
@@ -3350,7 +3294,6 @@
               <a:rPr lang="ko-KR" altLang="en-US"/>
               <a:t>마스터 텍스트 스타일을 편집합니다</a:t>
             </a:r>
-            <a:endParaRPr lang="ko-KR" altLang="en-US"/>
           </a:p>
           <a:p>
             <a:pPr lvl="1">
@@ -3360,7 +3303,6 @@
               <a:rPr lang="ko-KR" altLang="en-US"/>
               <a:t>둘째 수준</a:t>
             </a:r>
-            <a:endParaRPr lang="ko-KR" altLang="en-US"/>
           </a:p>
           <a:p>
             <a:pPr lvl="2">
@@ -3370,7 +3312,6 @@
               <a:rPr lang="ko-KR" altLang="en-US"/>
               <a:t>셋째 수준</a:t>
             </a:r>
-            <a:endParaRPr lang="ko-KR" altLang="en-US"/>
           </a:p>
           <a:p>
             <a:pPr lvl="3">
@@ -3380,7 +3321,6 @@
               <a:rPr lang="ko-KR" altLang="en-US"/>
               <a:t>넷째 수준</a:t>
             </a:r>
-            <a:endParaRPr lang="ko-KR" altLang="en-US"/>
           </a:p>
           <a:p>
             <a:pPr lvl="4">
@@ -3390,13 +3330,12 @@
               <a:rPr lang="ko-KR" altLang="en-US"/>
               <a:t>다섯째 수준</a:t>
             </a:r>
-            <a:endParaRPr lang="ko-KR" altLang="en-US"/>
           </a:p>
         </p:txBody>
       </p:sp>
       <p:pic>
         <p:nvPicPr>
-          <p:cNvPr id="3074" name=""/>
+          <p:cNvPr id="3074" name="그림 3073"/>
           <p:cNvPicPr/>
           <p:nvPr/>
         </p:nvPicPr>
@@ -3426,12 +3365,12 @@
       </p:pic>
       <p:pic>
         <p:nvPicPr>
-          <p:cNvPr id="3075" name=""/>
+          <p:cNvPr id="3075" name="그림 3074"/>
           <p:cNvPicPr/>
           <p:nvPr/>
         </p:nvPicPr>
         <p:blipFill rotWithShape="1">
-          <a:blip r:embed="rId15">
+          <a:blip r:embed="rId14">
             <a:lum/>
           </a:blip>
           <a:stretch>
@@ -3495,7 +3434,7 @@
                 <a:spcPct val="0"/>
               </a:spcAft>
               <a:buNone/>
-              <a:defRPr xmlns:mc="http://schemas.openxmlformats.org/markup-compatibility/2006" xmlns:hp="http://schemas.haansoft.com/office/presentation/8.0" kumimoji="0" lang="ko-KR" altLang="en-US" sz="1200" b="0" i="0" baseline="0" mc:Ignorable="hp" hp:hslEmbossed="0">
+              <a:defRPr kumimoji="0" lang="ko-KR" altLang="en-US" sz="1200" b="0" i="0" baseline="0">
                 <a:solidFill>
                   <a:schemeClr val="bg1"/>
                 </a:solidFill>
@@ -3519,7 +3458,7 @@
               <a:defRPr lang="ko-KR" altLang="en-US"/>
             </a:pPr>
             <a:fld id="{D422D86A-5F52-4165-8473-F1B836277586}" type="datetime1">
-              <a:rPr xmlns:mc="http://schemas.openxmlformats.org/markup-compatibility/2006" xmlns:hp="http://schemas.haansoft.com/office/presentation/8.0" kumimoji="0" lang="ko-KR" altLang="en-US" sz="1200" b="0" i="0" mc:Ignorable="hp" hp:hslEmbossed="0">
+              <a:rPr kumimoji="0" lang="ko-KR" altLang="en-US" sz="1200" b="0" i="0">
                 <a:solidFill>
                   <a:schemeClr val="bg1"/>
                 </a:solidFill>
@@ -3539,9 +3478,9 @@
                 <a:buNone/>
                 <a:defRPr lang="ko-KR" altLang="en-US"/>
               </a:pPr>
-              <a:t>2025-08-25</a:t>
+              <a:t>(Mon) 2025-09-01</a:t>
             </a:fld>
-            <a:endParaRPr xmlns:mc="http://schemas.openxmlformats.org/markup-compatibility/2006" xmlns:hp="http://schemas.haansoft.com/office/presentation/8.0" kumimoji="0" lang="ko-KR" altLang="en-US" sz="1200" b="0" i="0" mc:Ignorable="hp" hp:hslEmbossed="0">
+            <a:endParaRPr kumimoji="0" lang="ko-KR" altLang="en-US" sz="1200" b="0" i="0">
               <a:solidFill>
                 <a:schemeClr val="bg1"/>
               </a:solidFill>
@@ -3592,7 +3531,7 @@
                 <a:spcPct val="0"/>
               </a:spcAft>
               <a:buNone/>
-              <a:defRPr xmlns:mc="http://schemas.openxmlformats.org/markup-compatibility/2006" xmlns:hp="http://schemas.haansoft.com/office/presentation/8.0" kumimoji="0" lang="ko-KR" altLang="en-US" sz="1200" b="0" i="0" baseline="0" mc:Ignorable="hp" hp:hslEmbossed="0">
+              <a:defRPr kumimoji="0" lang="ko-KR" altLang="en-US" sz="1200" b="0" i="0" baseline="0">
                 <a:solidFill>
                   <a:schemeClr val="bg1"/>
                 </a:solidFill>
@@ -3615,17 +3554,7 @@
               <a:buNone/>
               <a:defRPr lang="ko-KR" altLang="en-US"/>
             </a:pPr>
-            <a:r>
-              <a:rPr xmlns:mc="http://schemas.openxmlformats.org/markup-compatibility/2006" xmlns:hp="http://schemas.haansoft.com/office/presentation/8.0" kumimoji="0" lang="ko-KR" altLang="en-US" sz="1200" b="0" i="0" mc:Ignorable="hp" hp:hslEmbossed="0">
-                <a:solidFill>
-                  <a:schemeClr val="bg1"/>
-                </a:solidFill>
-                <a:latin typeface="맑은 고딕"/>
-                <a:ea typeface="맑은 고딕"/>
-              </a:rPr>
-              <a:t/>
-            </a:r>
-            <a:endParaRPr xmlns:mc="http://schemas.openxmlformats.org/markup-compatibility/2006" xmlns:hp="http://schemas.haansoft.com/office/presentation/8.0" kumimoji="0" lang="ko-KR" altLang="en-US" sz="1200" b="0" i="0" mc:Ignorable="hp" hp:hslEmbossed="0">
+            <a:endParaRPr kumimoji="0" lang="ko-KR" altLang="en-US" sz="1200" b="0" i="0">
               <a:solidFill>
                 <a:schemeClr val="bg1"/>
               </a:solidFill>
@@ -3676,7 +3605,7 @@
                 <a:spcPct val="0"/>
               </a:spcAft>
               <a:buNone/>
-              <a:defRPr xmlns:mc="http://schemas.openxmlformats.org/markup-compatibility/2006" xmlns:hp="http://schemas.haansoft.com/office/presentation/8.0" kumimoji="0" lang="ko-KR" altLang="en-US" sz="1200" b="0" i="0" baseline="0" mc:Ignorable="hp" hp:hslEmbossed="0">
+              <a:defRPr kumimoji="0" lang="ko-KR" altLang="en-US" sz="1200" b="0" i="0" baseline="0">
                 <a:solidFill>
                   <a:schemeClr val="bg1"/>
                 </a:solidFill>
@@ -3700,7 +3629,7 @@
               <a:defRPr lang="ko-KR" altLang="en-US"/>
             </a:pPr>
             <a:fld id="{CC3F8BDB-E50C-418A-94C5-D585373C3603}" type="slidenum">
-              <a:rPr xmlns:mc="http://schemas.openxmlformats.org/markup-compatibility/2006" xmlns:hp="http://schemas.haansoft.com/office/presentation/8.0" kumimoji="0" lang="ko-KR" altLang="en-US" sz="1200" b="0" i="0" mc:Ignorable="hp" hp:hslEmbossed="0">
+              <a:rPr kumimoji="0" lang="ko-KR" altLang="en-US" sz="1200" b="0" i="0">
                 <a:solidFill>
                   <a:schemeClr val="bg1"/>
                 </a:solidFill>
@@ -3722,7 +3651,7 @@
               </a:pPr>
               <a:t>‹#›</a:t>
             </a:fld>
-            <a:endParaRPr xmlns:mc="http://schemas.openxmlformats.org/markup-compatibility/2006" xmlns:hp="http://schemas.haansoft.com/office/presentation/8.0" kumimoji="0" lang="ko-KR" altLang="en-US" sz="1200" b="0" i="0" mc:Ignorable="hp" hp:hslEmbossed="0">
+            <a:endParaRPr kumimoji="0" lang="ko-KR" altLang="en-US" sz="1200" b="0" i="0">
               <a:solidFill>
                 <a:schemeClr val="bg1"/>
               </a:solidFill>
@@ -3749,7 +3678,7 @@
     <p:sldLayoutId id="2147483728" r:id="rId11"/>
     <p:sldLayoutId id="2147483729" r:id="rId12"/>
   </p:sldLayoutIdLst>
-  <p:transition xmlns:mc="http://schemas.openxmlformats.org/markup-compatibility/2006" xmlns:hp="http://schemas.haansoft.com/office/presentation/8.0" mc:Ignorable="hp" hp:hslDur="500"/>
+  <p:transition/>
   <p:txStyles>
     <p:titleStyle>
       <a:lvl1pPr algn="ctr" defTabSz="914400" rtl="0" eaLnBrk="1" latinLnBrk="1" hangingPunct="1">
@@ -4060,7 +3989,7 @@
 </file>
 
 <file path=ppt/slides/slide1.xml><?xml version="1.0" encoding="utf-8"?>
-<p:sld xmlns:r="http://schemas.openxmlformats.org/officeDocument/2006/relationships" xmlns:c="http://schemas.openxmlformats.org/drawingml/2006/chart" xmlns:a="http://schemas.openxmlformats.org/drawingml/2006/main" xmlns:dgm="http://schemas.openxmlformats.org/drawingml/2006/diagram" xmlns:dsp="http://schemas.microsoft.com/office/drawing/2008/diagram" xmlns:p="http://schemas.openxmlformats.org/presentationml/2006/main">
+<p:sld xmlns:a="http://schemas.openxmlformats.org/drawingml/2006/main" xmlns:r="http://schemas.openxmlformats.org/officeDocument/2006/relationships" xmlns:p="http://schemas.openxmlformats.org/presentationml/2006/main">
   <p:cSld>
     <p:spTree>
       <p:nvGrpSpPr>
@@ -4078,7 +4007,7 @@
       </p:grpSpPr>
       <p:pic>
         <p:nvPicPr>
-          <p:cNvPr id="4098" name=""/>
+          <p:cNvPr id="4098" name="그림 4097"/>
           <p:cNvPicPr/>
           <p:nvPr/>
         </p:nvPicPr>
@@ -4113,7 +4042,7 @@
             <a:spLocks noGrp="1"/>
           </p:cNvSpPr>
           <p:nvPr>
-            <p:ph type="title" idx="0"/>
+            <p:ph type="title"/>
           </p:nvPr>
         </p:nvSpPr>
         <p:spPr>
@@ -4141,17 +4070,7 @@
               <a:buNone/>
               <a:defRPr lang="ko-KR" altLang="en-US"/>
             </a:pPr>
-            <a:r>
-              <a:rPr xmlns:mc="http://schemas.openxmlformats.org/markup-compatibility/2006" xmlns:hp="http://schemas.haansoft.com/office/presentation/8.0" kumimoji="0" lang="ko-KR" altLang="en-US" sz="4400" b="0" i="0" mc:Ignorable="hp" hp:hslEmbossed="0">
-                <a:solidFill>
-                  <a:schemeClr val="bg1"/>
-                </a:solidFill>
-                <a:latin typeface="맑은 고딕"/>
-                <a:ea typeface="맑은 고딕"/>
-              </a:rPr>
-              <a:t/>
-            </a:r>
-            <a:endParaRPr xmlns:mc="http://schemas.openxmlformats.org/markup-compatibility/2006" xmlns:hp="http://schemas.haansoft.com/office/presentation/8.0" kumimoji="0" lang="ko-KR" altLang="en-US" sz="4400" b="0" i="0" mc:Ignorable="hp" hp:hslEmbossed="0">
+            <a:endParaRPr kumimoji="0" lang="ko-KR" altLang="en-US" sz="4400" b="0" i="0">
               <a:solidFill>
                 <a:schemeClr val="bg1"/>
               </a:solidFill>
@@ -4201,17 +4120,7 @@
               <a:buChar char="•"/>
               <a:defRPr lang="ko-KR" altLang="en-US"/>
             </a:pPr>
-            <a:r>
-              <a:rPr xmlns:mc="http://schemas.openxmlformats.org/markup-compatibility/2006" xmlns:hp="http://schemas.haansoft.com/office/presentation/8.0" kumimoji="0" lang="ko-KR" altLang="en-US" sz="3200" b="0" i="0" mc:Ignorable="hp" hp:hslEmbossed="0">
-                <a:solidFill>
-                  <a:schemeClr val="bg1"/>
-                </a:solidFill>
-                <a:latin typeface="맑은 고딕"/>
-                <a:ea typeface="맑은 고딕"/>
-              </a:rPr>
-              <a:t/>
-            </a:r>
-            <a:endParaRPr xmlns:mc="http://schemas.openxmlformats.org/markup-compatibility/2006" xmlns:hp="http://schemas.haansoft.com/office/presentation/8.0" kumimoji="0" lang="ko-KR" altLang="en-US" sz="3200" b="0" i="0" mc:Ignorable="hp" hp:hslEmbossed="0">
+            <a:endParaRPr kumimoji="0" lang="ko-KR" altLang="en-US" sz="3200" b="0" i="0">
               <a:solidFill>
                 <a:schemeClr val="bg1"/>
               </a:solidFill>
@@ -4226,11 +4135,11 @@
   <p:clrMapOvr>
     <a:masterClrMapping/>
   </p:clrMapOvr>
-  <mc:AlternateContent xmlns:mc="http://schemas.openxmlformats.org/markup-compatibility/2006">
-    <mc:Choice xmlns:p14="http://schemas.microsoft.com/office/powerpoint/2010/main" Requires="p14">
-      <p:transition xmlns:mc="http://schemas.openxmlformats.org/markup-compatibility/2006" xmlns:p14="http://schemas.microsoft.com/office/powerpoint/2010/main" mc:Ignorable="p14" p14:dur="500"/>
+  <mc:AlternateContent xmlns:mc="http://schemas.openxmlformats.org/markup-compatibility/2006" xmlns:p14="http://schemas.microsoft.com/office/powerpoint/2010/main">
+    <mc:Choice Requires="p14">
+      <p:transition/>
     </mc:Choice>
-    <mc:Fallback>
+    <mc:Fallback xmlns:dsp="http://schemas.microsoft.com/office/drawing/2008/diagram" xmlns:dgm="http://schemas.openxmlformats.org/drawingml/2006/diagram" xmlns:c="http://schemas.openxmlformats.org/drawingml/2006/chart" xmlns="">
       <p:transition/>
     </mc:Fallback>
   </mc:AlternateContent>
@@ -4238,41 +4147,41 @@
 </file>
 
 <file path=ppt/theme/theme1.xml><?xml version="1.0" encoding="utf-8"?>
-<a:theme xmlns:r="http://schemas.openxmlformats.org/officeDocument/2006/relationships" xmlns:c="http://schemas.openxmlformats.org/drawingml/2006/chart" xmlns:dgm="http://schemas.openxmlformats.org/drawingml/2006/diagram" xmlns:dsp="http://schemas.microsoft.com/office/drawing/2008/diagram" xmlns:a="http://schemas.openxmlformats.org/drawingml/2006/main" xmlns:pic="http://schemas.openxmlformats.org/drawingml/2006/picture" xmlns:wp="http://schemas.openxmlformats.org/drawingml/2006/wordprocessingDrawing" xmlns:xdr="http://schemas.openxmlformats.org/drawingml/2006/spreadsheetDrawing" name="">
+<a:theme xmlns:a="http://schemas.openxmlformats.org/drawingml/2006/main">
   <a:themeElements>
     <a:clrScheme name="PowerPoint">
       <a:dk1>
         <a:srgbClr val="000000"/>
       </a:dk1>
       <a:lt1>
-        <a:srgbClr val="ffffff"/>
+        <a:srgbClr val="FFFFFF"/>
       </a:lt1>
       <a:dk2>
-        <a:srgbClr val="1f497d"/>
+        <a:srgbClr val="1F497D"/>
       </a:dk2>
       <a:lt2>
-        <a:srgbClr val="eeece1"/>
+        <a:srgbClr val="EEECE1"/>
       </a:lt2>
       <a:accent1>
-        <a:srgbClr val="4f81bd"/>
+        <a:srgbClr val="4F81BD"/>
       </a:accent1>
       <a:accent2>
-        <a:srgbClr val="c0504d"/>
+        <a:srgbClr val="C0504D"/>
       </a:accent2>
       <a:accent3>
-        <a:srgbClr val="e9ae2b"/>
+        <a:srgbClr val="E9AE2B"/>
       </a:accent3>
       <a:accent4>
-        <a:srgbClr val="699b37"/>
+        <a:srgbClr val="699B37"/>
       </a:accent4>
       <a:accent5>
         <a:srgbClr val="358791"/>
       </a:accent5>
       <a:accent6>
-        <a:srgbClr val="ca56a7"/>
+        <a:srgbClr val="CA56A7"/>
       </a:accent6>
       <a:hlink>
-        <a:srgbClr val="0000ff"/>
+        <a:srgbClr val="0000FF"/>
       </a:hlink>
       <a:folHlink>
         <a:srgbClr val="800080"/>
@@ -4488,45 +4397,46 @@
       <a:lstStyle/>
     </a:txDef>
   </a:objectDefaults>
+  <a:extraClrSchemeLst/>
 </a:theme>
 </file>
 
 <file path=ppt/theme/theme2.xml><?xml version="1.0" encoding="utf-8"?>
-<a:theme xmlns:r="http://schemas.openxmlformats.org/officeDocument/2006/relationships" xmlns:c="http://schemas.openxmlformats.org/drawingml/2006/chart" xmlns:dgm="http://schemas.openxmlformats.org/drawingml/2006/diagram" xmlns:dsp="http://schemas.microsoft.com/office/drawing/2008/diagram" xmlns:a="http://schemas.openxmlformats.org/drawingml/2006/main" xmlns:pic="http://schemas.openxmlformats.org/drawingml/2006/picture" xmlns:wp="http://schemas.openxmlformats.org/drawingml/2006/wordprocessingDrawing" xmlns:xdr="http://schemas.openxmlformats.org/drawingml/2006/spreadsheetDrawing" name="한컴오피스">
+<a:theme xmlns:a="http://schemas.openxmlformats.org/drawingml/2006/main" name="한컴오피스">
   <a:themeElements>
     <a:clrScheme name="한컴오피스">
       <a:dk1>
         <a:sysClr val="windowText" lastClr="000000"/>
       </a:dk1>
       <a:lt1>
-        <a:sysClr val="window" lastClr="ffffff"/>
+        <a:sysClr val="window" lastClr="FFFFFF"/>
       </a:lt1>
       <a:dk2>
-        <a:srgbClr val="1c3d62"/>
+        <a:srgbClr val="1C3D62"/>
       </a:dk2>
       <a:lt2>
-        <a:srgbClr val="e3dcc1"/>
+        <a:srgbClr val="E3DCC1"/>
       </a:lt2>
       <a:accent1>
-        <a:srgbClr val="315f97"/>
+        <a:srgbClr val="315F97"/>
       </a:accent1>
       <a:accent2>
-        <a:srgbClr val="c75252"/>
+        <a:srgbClr val="C75252"/>
       </a:accent2>
       <a:accent3>
-        <a:srgbClr val="e9ae2b"/>
+        <a:srgbClr val="E9AE2B"/>
       </a:accent3>
       <a:accent4>
-        <a:srgbClr val="699b37"/>
+        <a:srgbClr val="699B37"/>
       </a:accent4>
       <a:accent5>
         <a:srgbClr val="358791"/>
       </a:accent5>
       <a:accent6>
-        <a:srgbClr val="ca56a7"/>
+        <a:srgbClr val="CA56A7"/>
       </a:accent6>
       <a:hlink>
-        <a:srgbClr val="0000ff"/>
+        <a:srgbClr val="0000FF"/>
       </a:hlink>
       <a:folHlink>
         <a:srgbClr val="800080"/>
@@ -4695,5 +4605,7 @@
       </a:bgFillStyleLst>
     </a:fmtScheme>
   </a:themeElements>
+  <a:objectDefaults/>
+  <a:extraClrSchemeLst/>
 </a:theme>
 </file>
--- a/Prerequisite-files/Presentation_Template_Prayer.pptx
+++ b/Prerequisite-files/Presentation_Template_Prayer.pptx
@@ -5,11 +5,8 @@
     <p:sldMasterId id="2147483730" r:id="rId1"/>
   </p:sldMasterIdLst>
   <p:notesMasterIdLst>
-    <p:notesMasterId r:id="rId3"/>
+    <p:notesMasterId r:id="rId2"/>
   </p:notesMasterIdLst>
-  <p:sldIdLst>
-    <p:sldId id="256" r:id="rId2"/>
-  </p:sldIdLst>
   <p:sldSz cx="9148763" cy="5145088"/>
   <p:notesSz cx="6858000" cy="9144000"/>
   <p:defaultTextStyle>
@@ -505,7 +502,7 @@
 </file>
 
 <file path=ppt/slideLayouts/slideLayout1.xml><?xml version="1.0" encoding="utf-8"?>
-<p:sldLayout xmlns:a="http://schemas.openxmlformats.org/drawingml/2006/main" xmlns:r="http://schemas.openxmlformats.org/officeDocument/2006/relationships" xmlns:p="http://schemas.openxmlformats.org/presentationml/2006/main" type="title" preserve="1">
+<p:sldLayout xmlns:a="http://schemas.openxmlformats.org/drawingml/2006/main" xmlns:r="http://schemas.openxmlformats.org/officeDocument/2006/relationships" xmlns:p="http://schemas.openxmlformats.org/presentationml/2006/main" preserve="1" userDrawn="1">
   <p:cSld name="제목 슬라이드">
     <p:spTree>
       <p:nvGrpSpPr>
@@ -523,151 +520,6 @@
       </p:grpSpPr>
       <p:sp>
         <p:nvSpPr>
-          <p:cNvPr id="2" name="제목 1"/>
-          <p:cNvSpPr>
-            <a:spLocks noGrp="1"/>
-          </p:cNvSpPr>
-          <p:nvPr>
-            <p:ph type="ctrTitle"/>
-          </p:nvPr>
-        </p:nvSpPr>
-        <p:spPr>
-          <a:xfrm>
-            <a:off x="914399" y="2130425"/>
-            <a:ext cx="10363199" cy="1470025"/>
-          </a:xfrm>
-        </p:spPr>
-        <p:txBody>
-          <a:bodyPr/>
-          <a:lstStyle/>
-          <a:p>
-            <a:r>
-              <a:rPr lang="ko-KR" altLang="en-US"/>
-              <a:t>마스터 제목 스타일 편집</a:t>
-            </a:r>
-          </a:p>
-        </p:txBody>
-      </p:sp>
-      <p:sp>
-        <p:nvSpPr>
-          <p:cNvPr id="3" name="부제목 2"/>
-          <p:cNvSpPr>
-            <a:spLocks noGrp="1"/>
-          </p:cNvSpPr>
-          <p:nvPr>
-            <p:ph type="subTitle" idx="1"/>
-          </p:nvPr>
-        </p:nvSpPr>
-        <p:spPr>
-          <a:xfrm>
-            <a:off x="1828799" y="3886200"/>
-            <a:ext cx="8534399" cy="1752600"/>
-          </a:xfrm>
-        </p:spPr>
-        <p:txBody>
-          <a:bodyPr/>
-          <a:lstStyle>
-            <a:lvl1pPr marL="0" indent="0" algn="ctr">
-              <a:buNone/>
-              <a:defRPr>
-                <a:solidFill>
-                  <a:schemeClr val="tx1">
-                    <a:tint val="75000"/>
-                  </a:schemeClr>
-                </a:solidFill>
-              </a:defRPr>
-            </a:lvl1pPr>
-            <a:lvl2pPr marL="457200" indent="0" algn="ctr">
-              <a:buNone/>
-              <a:defRPr>
-                <a:solidFill>
-                  <a:schemeClr val="tx1">
-                    <a:tint val="75000"/>
-                  </a:schemeClr>
-                </a:solidFill>
-              </a:defRPr>
-            </a:lvl2pPr>
-            <a:lvl3pPr marL="914400" indent="0" algn="ctr">
-              <a:buNone/>
-              <a:defRPr>
-                <a:solidFill>
-                  <a:schemeClr val="tx1">
-                    <a:tint val="75000"/>
-                  </a:schemeClr>
-                </a:solidFill>
-              </a:defRPr>
-            </a:lvl3pPr>
-            <a:lvl4pPr marL="1371600" indent="0" algn="ctr">
-              <a:buNone/>
-              <a:defRPr>
-                <a:solidFill>
-                  <a:schemeClr val="tx1">
-                    <a:tint val="75000"/>
-                  </a:schemeClr>
-                </a:solidFill>
-              </a:defRPr>
-            </a:lvl4pPr>
-            <a:lvl5pPr marL="1828800" indent="0" algn="ctr">
-              <a:buNone/>
-              <a:defRPr>
-                <a:solidFill>
-                  <a:schemeClr val="tx1">
-                    <a:tint val="75000"/>
-                  </a:schemeClr>
-                </a:solidFill>
-              </a:defRPr>
-            </a:lvl5pPr>
-            <a:lvl6pPr marL="2286000" indent="0" algn="ctr">
-              <a:buNone/>
-              <a:defRPr>
-                <a:solidFill>
-                  <a:schemeClr val="tx1">
-                    <a:tint val="75000"/>
-                  </a:schemeClr>
-                </a:solidFill>
-              </a:defRPr>
-            </a:lvl6pPr>
-            <a:lvl7pPr marL="2743200" indent="0" algn="ctr">
-              <a:buNone/>
-              <a:defRPr>
-                <a:solidFill>
-                  <a:schemeClr val="tx1">
-                    <a:tint val="75000"/>
-                  </a:schemeClr>
-                </a:solidFill>
-              </a:defRPr>
-            </a:lvl7pPr>
-            <a:lvl8pPr marL="3200400" indent="0" algn="ctr">
-              <a:buNone/>
-              <a:defRPr>
-                <a:solidFill>
-                  <a:schemeClr val="tx1">
-                    <a:tint val="75000"/>
-                  </a:schemeClr>
-                </a:solidFill>
-              </a:defRPr>
-            </a:lvl8pPr>
-            <a:lvl9pPr marL="3657600" indent="0" algn="ctr">
-              <a:buNone/>
-              <a:defRPr>
-                <a:solidFill>
-                  <a:schemeClr val="tx1">
-                    <a:tint val="75000"/>
-                  </a:schemeClr>
-                </a:solidFill>
-              </a:defRPr>
-            </a:lvl9pPr>
-          </a:lstStyle>
-          <a:p>
-            <a:r>
-              <a:rPr lang="ko-KR" altLang="en-US"/>
-              <a:t>마스터 부제목 스타일 편집</a:t>
-            </a:r>
-          </a:p>
-        </p:txBody>
-      </p:sp>
-      <p:sp>
-        <p:nvSpPr>
           <p:cNvPr id="4" name="날짜 개체 틀 3"/>
           <p:cNvSpPr>
             <a:spLocks noGrp="1"/>
@@ -679,14 +531,24 @@
         <p:spPr/>
         <p:txBody>
           <a:bodyPr/>
-          <a:lstStyle/>
+          <a:lstStyle>
+            <a:lvl1pPr>
+              <a:defRPr>
+                <a:solidFill>
+                  <a:schemeClr val="bg1"/>
+                </a:solidFill>
+                <a:latin typeface="Arial" panose="020B0604020202020204" pitchFamily="34" charset="0"/>
+                <a:cs typeface="Arial" panose="020B0604020202020204" pitchFamily="34" charset="0"/>
+              </a:defRPr>
+            </a:lvl1pPr>
+          </a:lstStyle>
           <a:p>
             <a:fld id="{D8D7A7C4-C82A-4D21-9AB0-F0C5A1D3EF09}" type="datetime1">
-              <a:rPr lang="ko-KR" altLang="en-US" smtClean="0"/>
+              <a:rPr lang="en-US" smtClean="0"/>
               <a:pPr/>
               <a:t>(Mon) 2025-09-01</a:t>
             </a:fld>
-            <a:endParaRPr lang="ko-KR" altLang="en-US"/>
+            <a:endParaRPr lang="en-US" dirty="0"/>
           </a:p>
         </p:txBody>
       </p:sp>
@@ -703,7 +565,17 @@
         <p:spPr/>
         <p:txBody>
           <a:bodyPr/>
-          <a:lstStyle/>
+          <a:lstStyle>
+            <a:lvl1pPr>
+              <a:defRPr>
+                <a:solidFill>
+                  <a:schemeClr val="bg1"/>
+                </a:solidFill>
+                <a:latin typeface="Arial" panose="020B0604020202020204" pitchFamily="34" charset="0"/>
+                <a:cs typeface="Arial" panose="020B0604020202020204" pitchFamily="34" charset="0"/>
+              </a:defRPr>
+            </a:lvl1pPr>
+          </a:lstStyle>
           <a:p>
             <a:endParaRPr lang="ko-KR" altLang="en-US"/>
           </a:p>
@@ -722,45 +594,36 @@
         <p:spPr/>
         <p:txBody>
           <a:bodyPr/>
-          <a:lstStyle/>
+          <a:lstStyle>
+            <a:lvl1pPr>
+              <a:defRPr>
+                <a:solidFill>
+                  <a:schemeClr val="bg1"/>
+                </a:solidFill>
+                <a:latin typeface="Arial" panose="020B0604020202020204" pitchFamily="34" charset="0"/>
+                <a:cs typeface="Arial" panose="020B0604020202020204" pitchFamily="34" charset="0"/>
+              </a:defRPr>
+            </a:lvl1pPr>
+          </a:lstStyle>
           <a:p>
             <a:fld id="{AD22CD3B-FDDF-4998-970C-76E6E0BEC65F}" type="slidenum">
-              <a:rPr lang="ko-KR" altLang="en-US" smtClean="0"/>
+              <a:rPr lang="en-US" altLang="ko-KR" smtClean="0"/>
               <a:pPr/>
               <a:t>‹#›</a:t>
             </a:fld>
-            <a:endParaRPr lang="ko-KR" altLang="en-US"/>
+            <a:endParaRPr lang="en-US"/>
           </a:p>
         </p:txBody>
       </p:sp>
-    </p:spTree>
-  </p:cSld>
-  <p:clrMapOvr>
-    <a:masterClrMapping/>
-  </p:clrMapOvr>
-</p:sldLayout>
-</file>
-
-<file path=ppt/slideLayouts/slideLayout10.xml><?xml version="1.0" encoding="utf-8"?>
-<p:sldLayout xmlns:a="http://schemas.openxmlformats.org/drawingml/2006/main" xmlns:r="http://schemas.openxmlformats.org/officeDocument/2006/relationships" xmlns:p="http://schemas.openxmlformats.org/presentationml/2006/main" type="objOnly" preserve="1">
-  <p:cSld name="간지">
-    <p:spTree>
-      <p:nvGrpSpPr>
-        <p:cNvPr id="1" name=""/>
-        <p:cNvGrpSpPr/>
-        <p:nvPr/>
-      </p:nvGrpSpPr>
-      <p:grpSpPr>
-        <a:xfrm>
-          <a:off x="0" y="0"/>
-          <a:ext cx="0" cy="0"/>
-          <a:chOff x="0" y="0"/>
-          <a:chExt cx="0" cy="0"/>
-        </a:xfrm>
-      </p:grpSpPr>
       <p:sp>
         <p:nvSpPr>
-          <p:cNvPr id="2" name="제목 1"/>
+          <p:cNvPr id="7" name="제목 1">
+            <a:extLst>
+              <a:ext uri="{FF2B5EF4-FFF2-40B4-BE49-F238E27FC236}">
+                <a16:creationId xmlns:a16="http://schemas.microsoft.com/office/drawing/2014/main" id="{F4A8DA35-8CBD-2635-A135-19CC9313CFD5}"/>
+              </a:ext>
+            </a:extLst>
+          </p:cNvPr>
           <p:cNvSpPr>
             <a:spLocks noGrp="1"/>
           </p:cNvSpPr>
@@ -770,460 +633,66 @@
         </p:nvSpPr>
         <p:spPr>
           <a:xfrm>
-            <a:off x="-12314" y="2130425"/>
-            <a:ext cx="12192000" cy="1470025"/>
-          </a:xfrm>
-        </p:spPr>
-        <p:txBody>
-          <a:bodyPr/>
-          <a:lstStyle/>
-          <a:p>
-            <a:r>
-              <a:rPr lang="ko-KR" altLang="en-US"/>
-              <a:t>마스터 제목 스타일 편집</a:t>
-            </a:r>
-          </a:p>
-        </p:txBody>
-      </p:sp>
-      <p:sp>
-        <p:nvSpPr>
-          <p:cNvPr id="3" name="날짜 개체 틀 2"/>
-          <p:cNvSpPr>
-            <a:spLocks noGrp="1"/>
-          </p:cNvSpPr>
-          <p:nvPr>
-            <p:ph type="dt" sz="half" idx="10"/>
-          </p:nvPr>
-        </p:nvSpPr>
-        <p:spPr/>
-        <p:txBody>
-          <a:bodyPr/>
-          <a:lstStyle/>
-          <a:p>
-            <a:fld id="{D8D7A7C4-C82A-4D21-9AB0-F0C5A1D3EF09}" type="datetimeFigureOut">
-              <a:rPr lang="ko-KR" altLang="en-US" smtClean="0"/>
-              <a:pPr/>
-              <a:t>(Mon) 2025-09-01</a:t>
-            </a:fld>
-            <a:endParaRPr lang="ko-KR" altLang="en-US"/>
-          </a:p>
-        </p:txBody>
-      </p:sp>
-      <p:sp>
-        <p:nvSpPr>
-          <p:cNvPr id="4" name="바닥글 개체 틀 3"/>
-          <p:cNvSpPr>
-            <a:spLocks noGrp="1"/>
-          </p:cNvSpPr>
-          <p:nvPr>
-            <p:ph type="ftr" sz="quarter" idx="11"/>
-          </p:nvPr>
-        </p:nvSpPr>
-        <p:spPr/>
-        <p:txBody>
-          <a:bodyPr/>
-          <a:lstStyle/>
-          <a:p>
-            <a:endParaRPr lang="ko-KR" altLang="en-US"/>
-          </a:p>
-        </p:txBody>
-      </p:sp>
-      <p:sp>
-        <p:nvSpPr>
-          <p:cNvPr id="5" name="슬라이드 번호 개체 틀 4"/>
-          <p:cNvSpPr>
-            <a:spLocks noGrp="1"/>
-          </p:cNvSpPr>
-          <p:nvPr>
-            <p:ph type="sldNum" sz="quarter" idx="12"/>
-          </p:nvPr>
-        </p:nvSpPr>
-        <p:spPr/>
-        <p:txBody>
-          <a:bodyPr/>
-          <a:lstStyle/>
-          <a:p>
-            <a:fld id="{AD22CD3B-FDDF-4998-970C-76E6E0BEC65F}" type="slidenum">
-              <a:rPr lang="ko-KR" altLang="en-US" smtClean="0"/>
-              <a:pPr/>
-              <a:t>‹#›</a:t>
-            </a:fld>
-            <a:endParaRPr lang="ko-KR" altLang="en-US"/>
-          </a:p>
-        </p:txBody>
-      </p:sp>
-    </p:spTree>
-  </p:cSld>
-  <p:clrMapOvr>
-    <a:masterClrMapping/>
-  </p:clrMapOvr>
-</p:sldLayout>
-</file>
-
-<file path=ppt/slideLayouts/slideLayout11.xml><?xml version="1.0" encoding="utf-8"?>
-<p:sldLayout xmlns:a="http://schemas.openxmlformats.org/drawingml/2006/main" xmlns:r="http://schemas.openxmlformats.org/officeDocument/2006/relationships" xmlns:p="http://schemas.openxmlformats.org/presentationml/2006/main" type="clipArtAndTx" preserve="1">
-  <p:cSld name="목차">
-    <p:spTree>
-      <p:nvGrpSpPr>
-        <p:cNvPr id="1" name=""/>
-        <p:cNvGrpSpPr/>
-        <p:nvPr/>
-      </p:nvGrpSpPr>
-      <p:grpSpPr>
-        <a:xfrm>
-          <a:off x="0" y="0"/>
-          <a:ext cx="0" cy="0"/>
-          <a:chOff x="0" y="0"/>
-          <a:chExt cx="0" cy="0"/>
-        </a:xfrm>
-      </p:grpSpPr>
-      <p:sp>
-        <p:nvSpPr>
-          <p:cNvPr id="2" name="제목 1"/>
-          <p:cNvSpPr>
-            <a:spLocks noGrp="1"/>
-          </p:cNvSpPr>
-          <p:nvPr>
-            <p:ph type="title"/>
-          </p:nvPr>
-        </p:nvSpPr>
-        <p:spPr>
-          <a:xfrm>
-            <a:off x="609599" y="274638"/>
-            <a:ext cx="10972799" cy="1143000"/>
+            <a:off x="0" y="843897"/>
+            <a:ext cx="9148762" cy="2118268"/>
           </a:xfrm>
         </p:spPr>
         <p:txBody>
           <a:bodyPr/>
           <a:lstStyle>
             <a:lvl1pPr>
-              <a:defRPr/>
+              <a:defRPr>
+                <a:solidFill>
+                  <a:schemeClr val="bg1"/>
+                </a:solidFill>
+                <a:latin typeface="Arial" panose="020B0604020202020204" pitchFamily="34" charset="0"/>
+                <a:cs typeface="Arial" panose="020B0604020202020204" pitchFamily="34" charset="0"/>
+              </a:defRPr>
             </a:lvl1pPr>
           </a:lstStyle>
           <a:p>
-            <a:r>
-              <a:rPr lang="ko-KR" altLang="en-US"/>
-              <a:t>마스터 제목 스타일 편집</a:t>
-            </a:r>
+            <a:endParaRPr lang="ko-KR" altLang="en-US"/>
           </a:p>
         </p:txBody>
       </p:sp>
       <p:sp>
         <p:nvSpPr>
-          <p:cNvPr id="3" name="텍스트 개체 틀 2"/>
+          <p:cNvPr id="8" name="부제목 2">
+            <a:extLst>
+              <a:ext uri="{FF2B5EF4-FFF2-40B4-BE49-F238E27FC236}">
+                <a16:creationId xmlns:a16="http://schemas.microsoft.com/office/drawing/2014/main" id="{797128D8-D921-961B-A1AD-5A4189873006}"/>
+              </a:ext>
+            </a:extLst>
+          </p:cNvPr>
           <p:cNvSpPr>
             <a:spLocks noGrp="1"/>
           </p:cNvSpPr>
           <p:nvPr>
-            <p:ph type="body" sz="quarter" idx="1"/>
+            <p:ph type="subTitle" idx="1"/>
           </p:nvPr>
         </p:nvSpPr>
         <p:spPr>
           <a:xfrm>
-            <a:off x="2859322" y="2196090"/>
-            <a:ext cx="6475199" cy="3240000"/>
+            <a:off x="-1" y="3436867"/>
+            <a:ext cx="9148763" cy="1248411"/>
           </a:xfrm>
         </p:spPr>
         <p:txBody>
-          <a:bodyPr>
-            <a:normAutofit/>
-          </a:bodyPr>
+          <a:bodyPr/>
           <a:lstStyle>
-            <a:lvl1pPr>
-              <a:lnSpc>
-                <a:spcPct val="150000"/>
-              </a:lnSpc>
-              <a:defRPr sz="2400"/>
+            <a:lvl1pPr marL="0" indent="0" algn="ctr">
+              <a:buNone/>
+              <a:defRPr>
+                <a:solidFill>
+                  <a:schemeClr val="bg1"/>
+                </a:solidFill>
+                <a:latin typeface="Arial" panose="020B0604020202020204" pitchFamily="34" charset="0"/>
+                <a:cs typeface="Arial" panose="020B0604020202020204" pitchFamily="34" charset="0"/>
+              </a:defRPr>
             </a:lvl1pPr>
-            <a:lvl2pPr>
-              <a:defRPr sz="2000"/>
-            </a:lvl2pPr>
-            <a:lvl3pPr>
-              <a:defRPr sz="1800"/>
-            </a:lvl3pPr>
-            <a:lvl4pPr>
-              <a:defRPr sz="1600"/>
-            </a:lvl4pPr>
-            <a:lvl5pPr>
-              <a:defRPr sz="1600"/>
-            </a:lvl5pPr>
           </a:lstStyle>
           <a:p>
-            <a:pPr lvl="0"/>
-            <a:r>
-              <a:rPr lang="ko-KR" altLang="en-US"/>
-              <a:t>첫째 목차</a:t>
-            </a:r>
-          </a:p>
-          <a:p>
-            <a:pPr lvl="0"/>
-            <a:r>
-              <a:rPr lang="ko-KR" altLang="en-US"/>
-              <a:t>둘째 목차</a:t>
-            </a:r>
-          </a:p>
-          <a:p>
-            <a:pPr lvl="0"/>
-            <a:r>
-              <a:rPr lang="ko-KR" altLang="en-US"/>
-              <a:t>셋째 목차</a:t>
-            </a:r>
-          </a:p>
-          <a:p>
-            <a:pPr lvl="0"/>
-            <a:r>
-              <a:rPr lang="ko-KR" altLang="en-US"/>
-              <a:t>넷째 목차</a:t>
-            </a:r>
-          </a:p>
-          <a:p>
-            <a:pPr lvl="0"/>
-            <a:r>
-              <a:rPr lang="ko-KR" altLang="en-US"/>
-              <a:t>다섯째 목차</a:t>
-            </a:r>
-          </a:p>
-        </p:txBody>
-      </p:sp>
-      <p:sp>
-        <p:nvSpPr>
-          <p:cNvPr id="4" name="날짜 개체 틀 3"/>
-          <p:cNvSpPr>
-            <a:spLocks noGrp="1"/>
-          </p:cNvSpPr>
-          <p:nvPr>
-            <p:ph type="dt" sz="half" idx="10"/>
-          </p:nvPr>
-        </p:nvSpPr>
-        <p:spPr/>
-        <p:txBody>
-          <a:bodyPr/>
-          <a:lstStyle/>
-          <a:p>
-            <a:fld id="{D8D7A7C4-C82A-4D21-9AB0-F0C5A1D3EF09}" type="datetimeFigureOut">
-              <a:rPr lang="ko-KR" altLang="en-US" smtClean="0"/>
-              <a:pPr/>
-              <a:t>(Mon) 2025-09-01</a:t>
-            </a:fld>
-            <a:endParaRPr lang="ko-KR" altLang="en-US"/>
-          </a:p>
-        </p:txBody>
-      </p:sp>
-      <p:sp>
-        <p:nvSpPr>
-          <p:cNvPr id="5" name="바닥글 개체 틀 4"/>
-          <p:cNvSpPr>
-            <a:spLocks noGrp="1"/>
-          </p:cNvSpPr>
-          <p:nvPr>
-            <p:ph type="ftr" sz="quarter" idx="11"/>
-          </p:nvPr>
-        </p:nvSpPr>
-        <p:spPr/>
-        <p:txBody>
-          <a:bodyPr/>
-          <a:lstStyle/>
-          <a:p>
-            <a:endParaRPr lang="ko-KR" altLang="en-US"/>
-          </a:p>
-        </p:txBody>
-      </p:sp>
-      <p:sp>
-        <p:nvSpPr>
-          <p:cNvPr id="6" name="슬라이드 번호 개체 틀 5"/>
-          <p:cNvSpPr>
-            <a:spLocks noGrp="1"/>
-          </p:cNvSpPr>
-          <p:nvPr>
-            <p:ph type="sldNum" sz="quarter" idx="12"/>
-          </p:nvPr>
-        </p:nvSpPr>
-        <p:spPr/>
-        <p:txBody>
-          <a:bodyPr/>
-          <a:lstStyle/>
-          <a:p>
-            <a:fld id="{AD22CD3B-FDDF-4998-970C-76E6E0BEC65F}" type="slidenum">
-              <a:rPr lang="ko-KR" altLang="en-US" smtClean="0"/>
-              <a:pPr/>
-              <a:t>‹#›</a:t>
-            </a:fld>
-            <a:endParaRPr lang="ko-KR" altLang="en-US"/>
-          </a:p>
-        </p:txBody>
-      </p:sp>
-    </p:spTree>
-  </p:cSld>
-  <p:clrMapOvr>
-    <a:masterClrMapping/>
-  </p:clrMapOvr>
-</p:sldLayout>
-</file>
-
-<file path=ppt/slideLayouts/slideLayout12.xml><?xml version="1.0" encoding="utf-8"?>
-<p:sldLayout xmlns:a="http://schemas.openxmlformats.org/drawingml/2006/main" xmlns:r="http://schemas.openxmlformats.org/officeDocument/2006/relationships" xmlns:p="http://schemas.openxmlformats.org/presentationml/2006/main" type="vertTitleAndTx" preserve="1">
-  <p:cSld name="세로 제목 및 본문">
-    <p:spTree>
-      <p:nvGrpSpPr>
-        <p:cNvPr id="1" name=""/>
-        <p:cNvGrpSpPr/>
-        <p:nvPr/>
-      </p:nvGrpSpPr>
-      <p:grpSpPr>
-        <a:xfrm>
-          <a:off x="0" y="0"/>
-          <a:ext cx="0" cy="0"/>
-          <a:chOff x="0" y="0"/>
-          <a:chExt cx="0" cy="0"/>
-        </a:xfrm>
-      </p:grpSpPr>
-      <p:sp>
-        <p:nvSpPr>
-          <p:cNvPr id="2" name="세로 제목 1"/>
-          <p:cNvSpPr>
-            <a:spLocks noGrp="1"/>
-          </p:cNvSpPr>
-          <p:nvPr>
-            <p:ph type="title" orient="vert"/>
-          </p:nvPr>
-        </p:nvSpPr>
-        <p:spPr>
-          <a:xfrm>
-            <a:off x="8839199" y="274638"/>
-            <a:ext cx="2743199" cy="5851525"/>
-          </a:xfrm>
-        </p:spPr>
-        <p:txBody>
-          <a:bodyPr vert="eaVert"/>
-          <a:lstStyle/>
-          <a:p>
-            <a:r>
-              <a:rPr lang="ko-KR" altLang="en-US"/>
-              <a:t>마스터 제목 스타일 편집</a:t>
-            </a:r>
-          </a:p>
-        </p:txBody>
-      </p:sp>
-      <p:sp>
-        <p:nvSpPr>
-          <p:cNvPr id="3" name="세로 본문 개체 틀 2"/>
-          <p:cNvSpPr>
-            <a:spLocks noGrp="1"/>
-          </p:cNvSpPr>
-          <p:nvPr>
-            <p:ph type="body" orient="vert" idx="1"/>
-          </p:nvPr>
-        </p:nvSpPr>
-        <p:spPr>
-          <a:xfrm>
-            <a:off x="609599" y="274638"/>
-            <a:ext cx="8026399" cy="5851525"/>
-          </a:xfrm>
-        </p:spPr>
-        <p:txBody>
-          <a:bodyPr vert="eaVert"/>
-          <a:lstStyle/>
-          <a:p>
-            <a:pPr lvl="0"/>
-            <a:r>
-              <a:rPr lang="ko-KR" altLang="en-US"/>
-              <a:t>마스터 텍스트 스타일을 편집합니다</a:t>
-            </a:r>
-          </a:p>
-          <a:p>
-            <a:pPr lvl="1"/>
-            <a:r>
-              <a:rPr lang="ko-KR" altLang="en-US"/>
-              <a:t>둘째 수준</a:t>
-            </a:r>
-          </a:p>
-          <a:p>
-            <a:pPr lvl="2"/>
-            <a:r>
-              <a:rPr lang="ko-KR" altLang="en-US"/>
-              <a:t>셋째 수준</a:t>
-            </a:r>
-          </a:p>
-          <a:p>
-            <a:pPr lvl="3"/>
-            <a:r>
-              <a:rPr lang="ko-KR" altLang="en-US"/>
-              <a:t>넷째 수준</a:t>
-            </a:r>
-          </a:p>
-          <a:p>
-            <a:pPr lvl="4"/>
-            <a:r>
-              <a:rPr lang="ko-KR" altLang="en-US"/>
-              <a:t>다섯째 수준</a:t>
-            </a:r>
-          </a:p>
-        </p:txBody>
-      </p:sp>
-      <p:sp>
-        <p:nvSpPr>
-          <p:cNvPr id="4" name="날짜 개체 틀 3"/>
-          <p:cNvSpPr>
-            <a:spLocks noGrp="1"/>
-          </p:cNvSpPr>
-          <p:nvPr>
-            <p:ph type="dt" sz="half" idx="10"/>
-          </p:nvPr>
-        </p:nvSpPr>
-        <p:spPr/>
-        <p:txBody>
-          <a:bodyPr/>
-          <a:lstStyle/>
-          <a:p>
-            <a:fld id="{D8D7A7C4-C82A-4D21-9AB0-F0C5A1D3EF09}" type="datetimeFigureOut">
-              <a:rPr lang="ko-KR" altLang="en-US" smtClean="0"/>
-              <a:pPr/>
-              <a:t>(Mon) 2025-09-01</a:t>
-            </a:fld>
-            <a:endParaRPr lang="ko-KR" altLang="en-US"/>
-          </a:p>
-        </p:txBody>
-      </p:sp>
-      <p:sp>
-        <p:nvSpPr>
-          <p:cNvPr id="5" name="바닥글 개체 틀 4"/>
-          <p:cNvSpPr>
-            <a:spLocks noGrp="1"/>
-          </p:cNvSpPr>
-          <p:nvPr>
-            <p:ph type="ftr" sz="quarter" idx="11"/>
-          </p:nvPr>
-        </p:nvSpPr>
-        <p:spPr/>
-        <p:txBody>
-          <a:bodyPr/>
-          <a:lstStyle/>
-          <a:p>
-            <a:endParaRPr lang="ko-KR" altLang="en-US"/>
-          </a:p>
-        </p:txBody>
-      </p:sp>
-      <p:sp>
-        <p:nvSpPr>
-          <p:cNvPr id="6" name="슬라이드 번호 개체 틀 5"/>
-          <p:cNvSpPr>
-            <a:spLocks noGrp="1"/>
-          </p:cNvSpPr>
-          <p:nvPr>
-            <p:ph type="sldNum" sz="quarter" idx="12"/>
-          </p:nvPr>
-        </p:nvSpPr>
-        <p:spPr/>
-        <p:txBody>
-          <a:bodyPr/>
-          <a:lstStyle/>
-          <a:p>
-            <a:fld id="{AD22CD3B-FDDF-4998-970C-76E6E0BEC65F}" type="slidenum">
-              <a:rPr lang="ko-KR" altLang="en-US" smtClean="0"/>
-              <a:pPr/>
-              <a:t>‹#›</a:t>
-            </a:fld>
-            <a:endParaRPr lang="ko-KR" altLang="en-US"/>
+            <a:endParaRPr lang="ko-KR" altLang="en-US" dirty="0"/>
           </a:p>
         </p:txBody>
       </p:sp>
@@ -1265,7 +734,17 @@
         <p:spPr/>
         <p:txBody>
           <a:bodyPr/>
-          <a:lstStyle/>
+          <a:lstStyle>
+            <a:lvl1pPr>
+              <a:defRPr>
+                <a:solidFill>
+                  <a:schemeClr val="bg1"/>
+                </a:solidFill>
+                <a:latin typeface="Arial" panose="020B0604020202020204" pitchFamily="34" charset="0"/>
+                <a:cs typeface="Arial" panose="020B0604020202020204" pitchFamily="34" charset="0"/>
+              </a:defRPr>
+            </a:lvl1pPr>
+          </a:lstStyle>
           <a:p>
             <a:r>
               <a:rPr lang="ko-KR" altLang="en-US"/>
@@ -1287,7 +766,53 @@
         <p:spPr/>
         <p:txBody>
           <a:bodyPr/>
-          <a:lstStyle/>
+          <a:lstStyle>
+            <a:lvl1pPr>
+              <a:defRPr>
+                <a:solidFill>
+                  <a:schemeClr val="bg1"/>
+                </a:solidFill>
+                <a:latin typeface="Arial" panose="020B0604020202020204" pitchFamily="34" charset="0"/>
+                <a:cs typeface="Arial" panose="020B0604020202020204" pitchFamily="34" charset="0"/>
+              </a:defRPr>
+            </a:lvl1pPr>
+            <a:lvl2pPr>
+              <a:defRPr>
+                <a:solidFill>
+                  <a:schemeClr val="bg1"/>
+                </a:solidFill>
+                <a:latin typeface="Arial" panose="020B0604020202020204" pitchFamily="34" charset="0"/>
+                <a:cs typeface="Arial" panose="020B0604020202020204" pitchFamily="34" charset="0"/>
+              </a:defRPr>
+            </a:lvl2pPr>
+            <a:lvl3pPr>
+              <a:defRPr>
+                <a:solidFill>
+                  <a:schemeClr val="bg1"/>
+                </a:solidFill>
+                <a:latin typeface="Arial" panose="020B0604020202020204" pitchFamily="34" charset="0"/>
+                <a:cs typeface="Arial" panose="020B0604020202020204" pitchFamily="34" charset="0"/>
+              </a:defRPr>
+            </a:lvl3pPr>
+            <a:lvl4pPr>
+              <a:defRPr>
+                <a:solidFill>
+                  <a:schemeClr val="bg1"/>
+                </a:solidFill>
+                <a:latin typeface="Arial" panose="020B0604020202020204" pitchFamily="34" charset="0"/>
+                <a:cs typeface="Arial" panose="020B0604020202020204" pitchFamily="34" charset="0"/>
+              </a:defRPr>
+            </a:lvl4pPr>
+            <a:lvl5pPr>
+              <a:defRPr>
+                <a:solidFill>
+                  <a:schemeClr val="bg1"/>
+                </a:solidFill>
+                <a:latin typeface="Arial" panose="020B0604020202020204" pitchFamily="34" charset="0"/>
+                <a:cs typeface="Arial" panose="020B0604020202020204" pitchFamily="34" charset="0"/>
+              </a:defRPr>
+            </a:lvl5pPr>
+          </a:lstStyle>
           <a:p>
             <a:pPr lvl="0"/>
             <a:r>
@@ -1338,14 +863,24 @@
         <p:spPr/>
         <p:txBody>
           <a:bodyPr/>
-          <a:lstStyle/>
+          <a:lstStyle>
+            <a:lvl1pPr>
+              <a:defRPr>
+                <a:solidFill>
+                  <a:schemeClr val="bg1"/>
+                </a:solidFill>
+                <a:latin typeface="Arial" panose="020B0604020202020204" pitchFamily="34" charset="0"/>
+                <a:cs typeface="Arial" panose="020B0604020202020204" pitchFamily="34" charset="0"/>
+              </a:defRPr>
+            </a:lvl1pPr>
+          </a:lstStyle>
           <a:p>
             <a:fld id="{D8D7A7C4-C82A-4D21-9AB0-F0C5A1D3EF09}" type="datetimeFigureOut">
-              <a:rPr lang="ko-KR" altLang="en-US" smtClean="0"/>
+              <a:rPr lang="en-US" smtClean="0"/>
               <a:pPr/>
-              <a:t>(Mon) 2025-09-01</a:t>
+              <a:t>9/1/2025</a:t>
             </a:fld>
-            <a:endParaRPr lang="ko-KR" altLang="en-US"/>
+            <a:endParaRPr lang="en-US"/>
           </a:p>
         </p:txBody>
       </p:sp>
@@ -1362,7 +897,17 @@
         <p:spPr/>
         <p:txBody>
           <a:bodyPr/>
-          <a:lstStyle/>
+          <a:lstStyle>
+            <a:lvl1pPr>
+              <a:defRPr>
+                <a:solidFill>
+                  <a:schemeClr val="bg1"/>
+                </a:solidFill>
+                <a:latin typeface="Arial" panose="020B0604020202020204" pitchFamily="34" charset="0"/>
+                <a:cs typeface="Arial" panose="020B0604020202020204" pitchFamily="34" charset="0"/>
+              </a:defRPr>
+            </a:lvl1pPr>
+          </a:lstStyle>
           <a:p>
             <a:endParaRPr lang="ko-KR" altLang="en-US"/>
           </a:p>
@@ -1381,14 +926,24 @@
         <p:spPr/>
         <p:txBody>
           <a:bodyPr/>
-          <a:lstStyle/>
+          <a:lstStyle>
+            <a:lvl1pPr>
+              <a:defRPr>
+                <a:solidFill>
+                  <a:schemeClr val="bg1"/>
+                </a:solidFill>
+                <a:latin typeface="Arial" panose="020B0604020202020204" pitchFamily="34" charset="0"/>
+                <a:cs typeface="Arial" panose="020B0604020202020204" pitchFamily="34" charset="0"/>
+              </a:defRPr>
+            </a:lvl1pPr>
+          </a:lstStyle>
           <a:p>
             <a:fld id="{AD22CD3B-FDDF-4998-970C-76E6E0BEC65F}" type="slidenum">
-              <a:rPr lang="ko-KR" altLang="en-US" smtClean="0"/>
+              <a:rPr lang="en-US" altLang="ko-KR" smtClean="0"/>
               <a:pPr/>
               <a:t>‹#›</a:t>
             </a:fld>
-            <a:endParaRPr lang="ko-KR" altLang="en-US"/>
+            <a:endParaRPr lang="en-US"/>
           </a:p>
         </p:txBody>
       </p:sp>
@@ -1401,883 +956,6 @@
 </file>
 
 <file path=ppt/slideLayouts/slideLayout3.xml><?xml version="1.0" encoding="utf-8"?>
-<p:sldLayout xmlns:a="http://schemas.openxmlformats.org/drawingml/2006/main" xmlns:r="http://schemas.openxmlformats.org/officeDocument/2006/relationships" xmlns:p="http://schemas.openxmlformats.org/presentationml/2006/main" type="blank" preserve="1">
-  <p:cSld name="빈 화면">
-    <p:spTree>
-      <p:nvGrpSpPr>
-        <p:cNvPr id="1" name=""/>
-        <p:cNvGrpSpPr/>
-        <p:nvPr/>
-      </p:nvGrpSpPr>
-      <p:grpSpPr>
-        <a:xfrm>
-          <a:off x="0" y="0"/>
-          <a:ext cx="0" cy="0"/>
-          <a:chOff x="0" y="0"/>
-          <a:chExt cx="0" cy="0"/>
-        </a:xfrm>
-      </p:grpSpPr>
-      <p:sp>
-        <p:nvSpPr>
-          <p:cNvPr id="2" name="날짜 개체 틀 1"/>
-          <p:cNvSpPr>
-            <a:spLocks noGrp="1"/>
-          </p:cNvSpPr>
-          <p:nvPr>
-            <p:ph type="dt" sz="half" idx="10"/>
-          </p:nvPr>
-        </p:nvSpPr>
-        <p:spPr/>
-        <p:txBody>
-          <a:bodyPr/>
-          <a:lstStyle/>
-          <a:p>
-            <a:fld id="{D8D7A7C4-C82A-4D21-9AB0-F0C5A1D3EF09}" type="datetimeFigureOut">
-              <a:rPr lang="ko-KR" altLang="en-US" smtClean="0"/>
-              <a:pPr/>
-              <a:t>(Mon) 2025-09-01</a:t>
-            </a:fld>
-            <a:endParaRPr lang="ko-KR" altLang="en-US"/>
-          </a:p>
-        </p:txBody>
-      </p:sp>
-      <p:sp>
-        <p:nvSpPr>
-          <p:cNvPr id="3" name="바닥글 개체 틀 2"/>
-          <p:cNvSpPr>
-            <a:spLocks noGrp="1"/>
-          </p:cNvSpPr>
-          <p:nvPr>
-            <p:ph type="ftr" sz="quarter" idx="11"/>
-          </p:nvPr>
-        </p:nvSpPr>
-        <p:spPr/>
-        <p:txBody>
-          <a:bodyPr/>
-          <a:lstStyle/>
-          <a:p>
-            <a:endParaRPr lang="ko-KR" altLang="en-US"/>
-          </a:p>
-        </p:txBody>
-      </p:sp>
-      <p:sp>
-        <p:nvSpPr>
-          <p:cNvPr id="4" name="슬라이드 번호 개체 틀 3"/>
-          <p:cNvSpPr>
-            <a:spLocks noGrp="1"/>
-          </p:cNvSpPr>
-          <p:nvPr>
-            <p:ph type="sldNum" sz="quarter" idx="12"/>
-          </p:nvPr>
-        </p:nvSpPr>
-        <p:spPr/>
-        <p:txBody>
-          <a:bodyPr/>
-          <a:lstStyle/>
-          <a:p>
-            <a:fld id="{AD22CD3B-FDDF-4998-970C-76E6E0BEC65F}" type="slidenum">
-              <a:rPr lang="ko-KR" altLang="en-US" smtClean="0"/>
-              <a:pPr/>
-              <a:t>‹#›</a:t>
-            </a:fld>
-            <a:endParaRPr lang="ko-KR" altLang="en-US"/>
-          </a:p>
-        </p:txBody>
-      </p:sp>
-    </p:spTree>
-  </p:cSld>
-  <p:clrMapOvr>
-    <a:masterClrMapping/>
-  </p:clrMapOvr>
-</p:sldLayout>
-</file>
-
-<file path=ppt/slideLayouts/slideLayout4.xml><?xml version="1.0" encoding="utf-8"?>
-<p:sldLayout xmlns:a="http://schemas.openxmlformats.org/drawingml/2006/main" xmlns:r="http://schemas.openxmlformats.org/officeDocument/2006/relationships" xmlns:p="http://schemas.openxmlformats.org/presentationml/2006/main" type="secHead" preserve="1">
-  <p:cSld name="구역 머리글">
-    <p:spTree>
-      <p:nvGrpSpPr>
-        <p:cNvPr id="1" name=""/>
-        <p:cNvGrpSpPr/>
-        <p:nvPr/>
-      </p:nvGrpSpPr>
-      <p:grpSpPr>
-        <a:xfrm>
-          <a:off x="0" y="0"/>
-          <a:ext cx="0" cy="0"/>
-          <a:chOff x="0" y="0"/>
-          <a:chExt cx="0" cy="0"/>
-        </a:xfrm>
-      </p:grpSpPr>
-      <p:sp>
-        <p:nvSpPr>
-          <p:cNvPr id="2" name="제목 1"/>
-          <p:cNvSpPr>
-            <a:spLocks noGrp="1"/>
-          </p:cNvSpPr>
-          <p:nvPr>
-            <p:ph type="title"/>
-          </p:nvPr>
-        </p:nvSpPr>
-        <p:spPr>
-          <a:xfrm>
-            <a:off x="963083" y="4406900"/>
-            <a:ext cx="10363199" cy="1362075"/>
-          </a:xfrm>
-        </p:spPr>
-        <p:txBody>
-          <a:bodyPr anchor="t"/>
-          <a:lstStyle>
-            <a:lvl1pPr>
-              <a:defRPr sz="4000" b="1" cap="all"/>
-            </a:lvl1pPr>
-          </a:lstStyle>
-          <a:p>
-            <a:r>
-              <a:rPr lang="ko-KR" altLang="en-US"/>
-              <a:t>마스터 제목 스타일 편집</a:t>
-            </a:r>
-          </a:p>
-        </p:txBody>
-      </p:sp>
-      <p:sp>
-        <p:nvSpPr>
-          <p:cNvPr id="3" name="텍스트 개체 틀 2"/>
-          <p:cNvSpPr>
-            <a:spLocks noGrp="1"/>
-          </p:cNvSpPr>
-          <p:nvPr>
-            <p:ph type="body" idx="1"/>
-          </p:nvPr>
-        </p:nvSpPr>
-        <p:spPr>
-          <a:xfrm>
-            <a:off x="963083" y="2906713"/>
-            <a:ext cx="10363198" cy="1500187"/>
-          </a:xfrm>
-        </p:spPr>
-        <p:txBody>
-          <a:bodyPr anchor="b"/>
-          <a:lstStyle>
-            <a:lvl1pPr marL="0" indent="0">
-              <a:buNone/>
-              <a:defRPr sz="2000">
-                <a:solidFill>
-                  <a:schemeClr val="tx1">
-                    <a:tint val="75000"/>
-                  </a:schemeClr>
-                </a:solidFill>
-              </a:defRPr>
-            </a:lvl1pPr>
-            <a:lvl2pPr marL="457200" indent="0">
-              <a:buNone/>
-              <a:defRPr sz="1800">
-                <a:solidFill>
-                  <a:schemeClr val="tx1">
-                    <a:tint val="75000"/>
-                  </a:schemeClr>
-                </a:solidFill>
-              </a:defRPr>
-            </a:lvl2pPr>
-            <a:lvl3pPr marL="914400" indent="0">
-              <a:buNone/>
-              <a:defRPr sz="1600">
-                <a:solidFill>
-                  <a:schemeClr val="tx1">
-                    <a:tint val="75000"/>
-                  </a:schemeClr>
-                </a:solidFill>
-              </a:defRPr>
-            </a:lvl3pPr>
-            <a:lvl4pPr marL="1371600" indent="0">
-              <a:buNone/>
-              <a:defRPr sz="1400">
-                <a:solidFill>
-                  <a:schemeClr val="tx1">
-                    <a:tint val="75000"/>
-                  </a:schemeClr>
-                </a:solidFill>
-              </a:defRPr>
-            </a:lvl4pPr>
-            <a:lvl5pPr marL="1828800" indent="0">
-              <a:buNone/>
-              <a:defRPr sz="1400">
-                <a:solidFill>
-                  <a:schemeClr val="tx1">
-                    <a:tint val="75000"/>
-                  </a:schemeClr>
-                </a:solidFill>
-              </a:defRPr>
-            </a:lvl5pPr>
-            <a:lvl6pPr marL="2286000" indent="0">
-              <a:buNone/>
-              <a:defRPr sz="1400">
-                <a:solidFill>
-                  <a:schemeClr val="tx1">
-                    <a:tint val="75000"/>
-                  </a:schemeClr>
-                </a:solidFill>
-              </a:defRPr>
-            </a:lvl6pPr>
-            <a:lvl7pPr marL="2743200" indent="0">
-              <a:buNone/>
-              <a:defRPr sz="1400">
-                <a:solidFill>
-                  <a:schemeClr val="tx1">
-                    <a:tint val="75000"/>
-                  </a:schemeClr>
-                </a:solidFill>
-              </a:defRPr>
-            </a:lvl7pPr>
-            <a:lvl8pPr marL="3200400" indent="0">
-              <a:buNone/>
-              <a:defRPr sz="1400">
-                <a:solidFill>
-                  <a:schemeClr val="tx1">
-                    <a:tint val="75000"/>
-                  </a:schemeClr>
-                </a:solidFill>
-              </a:defRPr>
-            </a:lvl8pPr>
-            <a:lvl9pPr marL="3657600" indent="0">
-              <a:buNone/>
-              <a:defRPr sz="1400">
-                <a:solidFill>
-                  <a:schemeClr val="tx1">
-                    <a:tint val="75000"/>
-                  </a:schemeClr>
-                </a:solidFill>
-              </a:defRPr>
-            </a:lvl9pPr>
-          </a:lstStyle>
-          <a:p>
-            <a:pPr lvl="0"/>
-            <a:r>
-              <a:rPr lang="ko-KR" altLang="en-US"/>
-              <a:t>마스터 텍스트 스타일을 편집합니다</a:t>
-            </a:r>
-          </a:p>
-        </p:txBody>
-      </p:sp>
-      <p:sp>
-        <p:nvSpPr>
-          <p:cNvPr id="4" name="날짜 개체 틀 3"/>
-          <p:cNvSpPr>
-            <a:spLocks noGrp="1"/>
-          </p:cNvSpPr>
-          <p:nvPr>
-            <p:ph type="dt" sz="half" idx="10"/>
-          </p:nvPr>
-        </p:nvSpPr>
-        <p:spPr/>
-        <p:txBody>
-          <a:bodyPr/>
-          <a:lstStyle/>
-          <a:p>
-            <a:fld id="{D8D7A7C4-C82A-4D21-9AB0-F0C5A1D3EF09}" type="datetimeFigureOut">
-              <a:rPr lang="ko-KR" altLang="en-US" smtClean="0"/>
-              <a:pPr/>
-              <a:t>(Mon) 2025-09-01</a:t>
-            </a:fld>
-            <a:endParaRPr lang="ko-KR" altLang="en-US"/>
-          </a:p>
-        </p:txBody>
-      </p:sp>
-      <p:sp>
-        <p:nvSpPr>
-          <p:cNvPr id="5" name="바닥글 개체 틀 4"/>
-          <p:cNvSpPr>
-            <a:spLocks noGrp="1"/>
-          </p:cNvSpPr>
-          <p:nvPr>
-            <p:ph type="ftr" sz="quarter" idx="11"/>
-          </p:nvPr>
-        </p:nvSpPr>
-        <p:spPr/>
-        <p:txBody>
-          <a:bodyPr/>
-          <a:lstStyle/>
-          <a:p>
-            <a:endParaRPr lang="ko-KR" altLang="en-US"/>
-          </a:p>
-        </p:txBody>
-      </p:sp>
-      <p:sp>
-        <p:nvSpPr>
-          <p:cNvPr id="6" name="슬라이드 번호 개체 틀 5"/>
-          <p:cNvSpPr>
-            <a:spLocks noGrp="1"/>
-          </p:cNvSpPr>
-          <p:nvPr>
-            <p:ph type="sldNum" sz="quarter" idx="12"/>
-          </p:nvPr>
-        </p:nvSpPr>
-        <p:spPr/>
-        <p:txBody>
-          <a:bodyPr/>
-          <a:lstStyle/>
-          <a:p>
-            <a:fld id="{AD22CD3B-FDDF-4998-970C-76E6E0BEC65F}" type="slidenum">
-              <a:rPr lang="ko-KR" altLang="en-US" smtClean="0"/>
-              <a:pPr/>
-              <a:t>‹#›</a:t>
-            </a:fld>
-            <a:endParaRPr lang="ko-KR" altLang="en-US"/>
-          </a:p>
-        </p:txBody>
-      </p:sp>
-    </p:spTree>
-  </p:cSld>
-  <p:clrMapOvr>
-    <a:masterClrMapping/>
-  </p:clrMapOvr>
-</p:sldLayout>
-</file>
-
-<file path=ppt/slideLayouts/slideLayout5.xml><?xml version="1.0" encoding="utf-8"?>
-<p:sldLayout xmlns:a="http://schemas.openxmlformats.org/drawingml/2006/main" xmlns:r="http://schemas.openxmlformats.org/officeDocument/2006/relationships" xmlns:p="http://schemas.openxmlformats.org/presentationml/2006/main" type="twoObj" preserve="1">
-  <p:cSld name="제목 및 내용 2개">
-    <p:spTree>
-      <p:nvGrpSpPr>
-        <p:cNvPr id="1" name=""/>
-        <p:cNvGrpSpPr/>
-        <p:nvPr/>
-      </p:nvGrpSpPr>
-      <p:grpSpPr>
-        <a:xfrm>
-          <a:off x="0" y="0"/>
-          <a:ext cx="0" cy="0"/>
-          <a:chOff x="0" y="0"/>
-          <a:chExt cx="0" cy="0"/>
-        </a:xfrm>
-      </p:grpSpPr>
-      <p:sp>
-        <p:nvSpPr>
-          <p:cNvPr id="2" name="제목 1"/>
-          <p:cNvSpPr>
-            <a:spLocks noGrp="1"/>
-          </p:cNvSpPr>
-          <p:nvPr>
-            <p:ph type="title"/>
-          </p:nvPr>
-        </p:nvSpPr>
-        <p:spPr/>
-        <p:txBody>
-          <a:bodyPr/>
-          <a:lstStyle/>
-          <a:p>
-            <a:r>
-              <a:rPr lang="ko-KR" altLang="en-US"/>
-              <a:t>마스터 제목 스타일 편집</a:t>
-            </a:r>
-          </a:p>
-        </p:txBody>
-      </p:sp>
-      <p:sp>
-        <p:nvSpPr>
-          <p:cNvPr id="3" name="내용 개체 틀 2"/>
-          <p:cNvSpPr>
-            <a:spLocks noGrp="1"/>
-          </p:cNvSpPr>
-          <p:nvPr>
-            <p:ph sz="half" idx="1"/>
-          </p:nvPr>
-        </p:nvSpPr>
-        <p:spPr>
-          <a:xfrm>
-            <a:off x="609599" y="1600200"/>
-            <a:ext cx="5384799" cy="4525963"/>
-          </a:xfrm>
-        </p:spPr>
-        <p:txBody>
-          <a:bodyPr/>
-          <a:lstStyle>
-            <a:lvl1pPr>
-              <a:defRPr sz="2800"/>
-            </a:lvl1pPr>
-            <a:lvl2pPr>
-              <a:defRPr sz="2400"/>
-            </a:lvl2pPr>
-            <a:lvl3pPr>
-              <a:defRPr sz="2000"/>
-            </a:lvl3pPr>
-            <a:lvl4pPr>
-              <a:defRPr sz="1800"/>
-            </a:lvl4pPr>
-            <a:lvl5pPr>
-              <a:defRPr sz="1800"/>
-            </a:lvl5pPr>
-            <a:lvl6pPr>
-              <a:defRPr sz="1800"/>
-            </a:lvl6pPr>
-            <a:lvl7pPr>
-              <a:defRPr sz="1800"/>
-            </a:lvl7pPr>
-            <a:lvl8pPr>
-              <a:defRPr sz="1800"/>
-            </a:lvl8pPr>
-            <a:lvl9pPr>
-              <a:defRPr sz="1800"/>
-            </a:lvl9pPr>
-          </a:lstStyle>
-          <a:p>
-            <a:pPr lvl="0"/>
-            <a:r>
-              <a:rPr lang="ko-KR" altLang="en-US"/>
-              <a:t>마스터 텍스트 스타일을 편집합니다</a:t>
-            </a:r>
-          </a:p>
-          <a:p>
-            <a:pPr lvl="1"/>
-            <a:r>
-              <a:rPr lang="ko-KR" altLang="en-US"/>
-              <a:t>둘째 수준</a:t>
-            </a:r>
-          </a:p>
-          <a:p>
-            <a:pPr lvl="2"/>
-            <a:r>
-              <a:rPr lang="ko-KR" altLang="en-US"/>
-              <a:t>셋째 수준</a:t>
-            </a:r>
-          </a:p>
-          <a:p>
-            <a:pPr lvl="3"/>
-            <a:r>
-              <a:rPr lang="ko-KR" altLang="en-US"/>
-              <a:t>넷째 수준</a:t>
-            </a:r>
-          </a:p>
-          <a:p>
-            <a:pPr lvl="4"/>
-            <a:r>
-              <a:rPr lang="ko-KR" altLang="en-US"/>
-              <a:t>다섯째 수준</a:t>
-            </a:r>
-          </a:p>
-        </p:txBody>
-      </p:sp>
-      <p:sp>
-        <p:nvSpPr>
-          <p:cNvPr id="4" name="내용 개체 틀 3"/>
-          <p:cNvSpPr>
-            <a:spLocks noGrp="1"/>
-          </p:cNvSpPr>
-          <p:nvPr>
-            <p:ph sz="half" idx="2"/>
-          </p:nvPr>
-        </p:nvSpPr>
-        <p:spPr>
-          <a:xfrm>
-            <a:off x="6197599" y="1600200"/>
-            <a:ext cx="5384799" cy="4525963"/>
-          </a:xfrm>
-        </p:spPr>
-        <p:txBody>
-          <a:bodyPr/>
-          <a:lstStyle>
-            <a:lvl1pPr>
-              <a:defRPr sz="2800"/>
-            </a:lvl1pPr>
-            <a:lvl2pPr>
-              <a:defRPr sz="2400"/>
-            </a:lvl2pPr>
-            <a:lvl3pPr>
-              <a:defRPr sz="2000"/>
-            </a:lvl3pPr>
-            <a:lvl4pPr>
-              <a:defRPr sz="1800"/>
-            </a:lvl4pPr>
-            <a:lvl5pPr>
-              <a:defRPr sz="1800"/>
-            </a:lvl5pPr>
-            <a:lvl6pPr>
-              <a:defRPr sz="1800"/>
-            </a:lvl6pPr>
-            <a:lvl7pPr>
-              <a:defRPr sz="1800"/>
-            </a:lvl7pPr>
-            <a:lvl8pPr>
-              <a:defRPr sz="1800"/>
-            </a:lvl8pPr>
-            <a:lvl9pPr>
-              <a:defRPr sz="1800"/>
-            </a:lvl9pPr>
-          </a:lstStyle>
-          <a:p>
-            <a:pPr lvl="0"/>
-            <a:r>
-              <a:rPr lang="ko-KR" altLang="en-US"/>
-              <a:t>마스터 텍스트 스타일을 편집합니다</a:t>
-            </a:r>
-          </a:p>
-          <a:p>
-            <a:pPr lvl="1"/>
-            <a:r>
-              <a:rPr lang="ko-KR" altLang="en-US"/>
-              <a:t>둘째 수준</a:t>
-            </a:r>
-          </a:p>
-          <a:p>
-            <a:pPr lvl="2"/>
-            <a:r>
-              <a:rPr lang="ko-KR" altLang="en-US"/>
-              <a:t>셋째 수준</a:t>
-            </a:r>
-          </a:p>
-          <a:p>
-            <a:pPr lvl="3"/>
-            <a:r>
-              <a:rPr lang="ko-KR" altLang="en-US"/>
-              <a:t>넷째 수준</a:t>
-            </a:r>
-          </a:p>
-          <a:p>
-            <a:pPr lvl="4"/>
-            <a:r>
-              <a:rPr lang="ko-KR" altLang="en-US"/>
-              <a:t>다섯째 수준</a:t>
-            </a:r>
-          </a:p>
-        </p:txBody>
-      </p:sp>
-      <p:sp>
-        <p:nvSpPr>
-          <p:cNvPr id="5" name="날짜 개체 틀 3"/>
-          <p:cNvSpPr>
-            <a:spLocks noGrp="1"/>
-          </p:cNvSpPr>
-          <p:nvPr>
-            <p:ph type="dt" sz="half" idx="10"/>
-          </p:nvPr>
-        </p:nvSpPr>
-        <p:spPr/>
-        <p:txBody>
-          <a:bodyPr/>
-          <a:lstStyle/>
-          <a:p>
-            <a:fld id="{D8D7A7C4-C82A-4D21-9AB0-F0C5A1D3EF09}" type="datetimeFigureOut">
-              <a:rPr lang="ko-KR" altLang="en-US" smtClean="0"/>
-              <a:pPr/>
-              <a:t>(Mon) 2025-09-01</a:t>
-            </a:fld>
-            <a:endParaRPr lang="ko-KR" altLang="en-US"/>
-          </a:p>
-        </p:txBody>
-      </p:sp>
-      <p:sp>
-        <p:nvSpPr>
-          <p:cNvPr id="6" name="바닥글 개체 틀 4"/>
-          <p:cNvSpPr>
-            <a:spLocks noGrp="1"/>
-          </p:cNvSpPr>
-          <p:nvPr>
-            <p:ph type="ftr" sz="quarter" idx="11"/>
-          </p:nvPr>
-        </p:nvSpPr>
-        <p:spPr/>
-        <p:txBody>
-          <a:bodyPr/>
-          <a:lstStyle/>
-          <a:p>
-            <a:endParaRPr lang="ko-KR" altLang="en-US"/>
-          </a:p>
-        </p:txBody>
-      </p:sp>
-      <p:sp>
-        <p:nvSpPr>
-          <p:cNvPr id="7" name="슬라이드 번호 개체 틀 5"/>
-          <p:cNvSpPr>
-            <a:spLocks noGrp="1"/>
-          </p:cNvSpPr>
-          <p:nvPr>
-            <p:ph type="sldNum" sz="quarter" idx="12"/>
-          </p:nvPr>
-        </p:nvSpPr>
-        <p:spPr/>
-        <p:txBody>
-          <a:bodyPr/>
-          <a:lstStyle/>
-          <a:p>
-            <a:fld id="{AD22CD3B-FDDF-4998-970C-76E6E0BEC65F}" type="slidenum">
-              <a:rPr lang="ko-KR" altLang="en-US" smtClean="0"/>
-              <a:pPr/>
-              <a:t>‹#›</a:t>
-            </a:fld>
-            <a:endParaRPr lang="ko-KR" altLang="en-US"/>
-          </a:p>
-        </p:txBody>
-      </p:sp>
-    </p:spTree>
-  </p:cSld>
-  <p:clrMapOvr>
-    <a:masterClrMapping/>
-  </p:clrMapOvr>
-</p:sldLayout>
-</file>
-
-<file path=ppt/slideLayouts/slideLayout6.xml><?xml version="1.0" encoding="utf-8"?>
-<p:sldLayout xmlns:a="http://schemas.openxmlformats.org/drawingml/2006/main" xmlns:r="http://schemas.openxmlformats.org/officeDocument/2006/relationships" xmlns:p="http://schemas.openxmlformats.org/presentationml/2006/main" type="titleOnly" preserve="1">
-  <p:cSld name="제목만">
-    <p:spTree>
-      <p:nvGrpSpPr>
-        <p:cNvPr id="1" name=""/>
-        <p:cNvGrpSpPr/>
-        <p:nvPr/>
-      </p:nvGrpSpPr>
-      <p:grpSpPr>
-        <a:xfrm>
-          <a:off x="0" y="0"/>
-          <a:ext cx="0" cy="0"/>
-          <a:chOff x="0" y="0"/>
-          <a:chExt cx="0" cy="0"/>
-        </a:xfrm>
-      </p:grpSpPr>
-      <p:sp>
-        <p:nvSpPr>
-          <p:cNvPr id="2" name="제목 1"/>
-          <p:cNvSpPr>
-            <a:spLocks noGrp="1"/>
-          </p:cNvSpPr>
-          <p:nvPr>
-            <p:ph type="title"/>
-          </p:nvPr>
-        </p:nvSpPr>
-        <p:spPr/>
-        <p:txBody>
-          <a:bodyPr/>
-          <a:lstStyle/>
-          <a:p>
-            <a:r>
-              <a:rPr lang="ko-KR" altLang="en-US"/>
-              <a:t>마스터 제목 스타일 편집</a:t>
-            </a:r>
-          </a:p>
-        </p:txBody>
-      </p:sp>
-      <p:sp>
-        <p:nvSpPr>
-          <p:cNvPr id="3" name="날짜 개체 틀 2"/>
-          <p:cNvSpPr>
-            <a:spLocks noGrp="1"/>
-          </p:cNvSpPr>
-          <p:nvPr>
-            <p:ph type="dt" sz="half" idx="10"/>
-          </p:nvPr>
-        </p:nvSpPr>
-        <p:spPr/>
-        <p:txBody>
-          <a:bodyPr/>
-          <a:lstStyle/>
-          <a:p>
-            <a:fld id="{D8D7A7C4-C82A-4D21-9AB0-F0C5A1D3EF09}" type="datetimeFigureOut">
-              <a:rPr lang="ko-KR" altLang="en-US" smtClean="0"/>
-              <a:pPr/>
-              <a:t>(Mon) 2025-09-01</a:t>
-            </a:fld>
-            <a:endParaRPr lang="ko-KR" altLang="en-US"/>
-          </a:p>
-        </p:txBody>
-      </p:sp>
-      <p:sp>
-        <p:nvSpPr>
-          <p:cNvPr id="4" name="바닥글 개체 틀 3"/>
-          <p:cNvSpPr>
-            <a:spLocks noGrp="1"/>
-          </p:cNvSpPr>
-          <p:nvPr>
-            <p:ph type="ftr" sz="quarter" idx="11"/>
-          </p:nvPr>
-        </p:nvSpPr>
-        <p:spPr/>
-        <p:txBody>
-          <a:bodyPr/>
-          <a:lstStyle/>
-          <a:p>
-            <a:endParaRPr lang="ko-KR" altLang="en-US"/>
-          </a:p>
-        </p:txBody>
-      </p:sp>
-      <p:sp>
-        <p:nvSpPr>
-          <p:cNvPr id="5" name="슬라이드 번호 개체 틀 4"/>
-          <p:cNvSpPr>
-            <a:spLocks noGrp="1"/>
-          </p:cNvSpPr>
-          <p:nvPr>
-            <p:ph type="sldNum" sz="quarter" idx="12"/>
-          </p:nvPr>
-        </p:nvSpPr>
-        <p:spPr/>
-        <p:txBody>
-          <a:bodyPr/>
-          <a:lstStyle/>
-          <a:p>
-            <a:fld id="{AD22CD3B-FDDF-4998-970C-76E6E0BEC65F}" type="slidenum">
-              <a:rPr lang="ko-KR" altLang="en-US" smtClean="0"/>
-              <a:pPr/>
-              <a:t>‹#›</a:t>
-            </a:fld>
-            <a:endParaRPr lang="ko-KR" altLang="en-US"/>
-          </a:p>
-        </p:txBody>
-      </p:sp>
-    </p:spTree>
-  </p:cSld>
-  <p:clrMapOvr>
-    <a:masterClrMapping/>
-  </p:clrMapOvr>
-</p:sldLayout>
-</file>
-
-<file path=ppt/slideLayouts/slideLayout7.xml><?xml version="1.0" encoding="utf-8"?>
-<p:sldLayout xmlns:a="http://schemas.openxmlformats.org/drawingml/2006/main" xmlns:r="http://schemas.openxmlformats.org/officeDocument/2006/relationships" xmlns:p="http://schemas.openxmlformats.org/presentationml/2006/main" type="tbl" preserve="1">
-  <p:cSld name="제목 및 표">
-    <p:spTree>
-      <p:nvGrpSpPr>
-        <p:cNvPr id="1" name=""/>
-        <p:cNvGrpSpPr/>
-        <p:nvPr/>
-      </p:nvGrpSpPr>
-      <p:grpSpPr>
-        <a:xfrm>
-          <a:off x="0" y="0"/>
-          <a:ext cx="0" cy="0"/>
-          <a:chOff x="0" y="0"/>
-          <a:chExt cx="0" cy="0"/>
-        </a:xfrm>
-      </p:grpSpPr>
-      <p:sp>
-        <p:nvSpPr>
-          <p:cNvPr id="2" name="제목 1"/>
-          <p:cNvSpPr>
-            <a:spLocks noGrp="1"/>
-          </p:cNvSpPr>
-          <p:nvPr>
-            <p:ph type="title"/>
-          </p:nvPr>
-        </p:nvSpPr>
-        <p:spPr/>
-        <p:txBody>
-          <a:bodyPr/>
-          <a:lstStyle/>
-          <a:p>
-            <a:r>
-              <a:rPr lang="ko-KR" altLang="en-US"/>
-              <a:t>마스터 제목 스타일 편집</a:t>
-            </a:r>
-          </a:p>
-        </p:txBody>
-      </p:sp>
-      <p:sp>
-        <p:nvSpPr>
-          <p:cNvPr id="3" name="표 개체 틀 2"/>
-          <p:cNvSpPr>
-            <a:spLocks noGrp="1"/>
-          </p:cNvSpPr>
-          <p:nvPr>
-            <p:ph type="tbl" sz="quarter" idx="1"/>
-          </p:nvPr>
-        </p:nvSpPr>
-        <p:spPr>
-          <a:xfrm>
-            <a:off x="608037" y="1643063"/>
-            <a:ext cx="10972799" cy="4525200"/>
-          </a:xfrm>
-        </p:spPr>
-        <p:txBody>
-          <a:bodyPr/>
-          <a:lstStyle>
-            <a:lvl1pPr marL="0" indent="0">
-              <a:buFontTx/>
-              <a:buNone/>
-              <a:defRPr/>
-            </a:lvl1pPr>
-          </a:lstStyle>
-          <a:p>
-            <a:r>
-              <a:rPr lang="ko-KR" altLang="en-US"/>
-              <a:t>표를 추가하려면 아이콘을 클릭하십시오</a:t>
-            </a:r>
-          </a:p>
-        </p:txBody>
-      </p:sp>
-      <p:sp>
-        <p:nvSpPr>
-          <p:cNvPr id="5" name="날짜 개체 틀 3"/>
-          <p:cNvSpPr>
-            <a:spLocks noGrp="1"/>
-          </p:cNvSpPr>
-          <p:nvPr>
-            <p:ph type="dt" sz="half" idx="10"/>
-          </p:nvPr>
-        </p:nvSpPr>
-        <p:spPr/>
-        <p:txBody>
-          <a:bodyPr/>
-          <a:lstStyle/>
-          <a:p>
-            <a:fld id="{D8D7A7C4-C82A-4D21-9AB0-F0C5A1D3EF09}" type="datetimeFigureOut">
-              <a:rPr lang="ko-KR" altLang="en-US" smtClean="0"/>
-              <a:pPr/>
-              <a:t>(Mon) 2025-09-01</a:t>
-            </a:fld>
-            <a:endParaRPr lang="ko-KR" altLang="en-US"/>
-          </a:p>
-        </p:txBody>
-      </p:sp>
-      <p:sp>
-        <p:nvSpPr>
-          <p:cNvPr id="6" name="바닥글 개체 틀 4"/>
-          <p:cNvSpPr>
-            <a:spLocks noGrp="1"/>
-          </p:cNvSpPr>
-          <p:nvPr>
-            <p:ph type="ftr" sz="quarter" idx="11"/>
-          </p:nvPr>
-        </p:nvSpPr>
-        <p:spPr/>
-        <p:txBody>
-          <a:bodyPr/>
-          <a:lstStyle/>
-          <a:p>
-            <a:endParaRPr lang="ko-KR" altLang="en-US"/>
-          </a:p>
-        </p:txBody>
-      </p:sp>
-      <p:sp>
-        <p:nvSpPr>
-          <p:cNvPr id="7" name="슬라이드 번호 개체 틀 5"/>
-          <p:cNvSpPr>
-            <a:spLocks noGrp="1"/>
-          </p:cNvSpPr>
-          <p:nvPr>
-            <p:ph type="sldNum" sz="quarter" idx="12"/>
-          </p:nvPr>
-        </p:nvSpPr>
-        <p:spPr/>
-        <p:txBody>
-          <a:bodyPr/>
-          <a:lstStyle/>
-          <a:p>
-            <a:fld id="{AD22CD3B-FDDF-4998-970C-76E6E0BEC65F}" type="slidenum">
-              <a:rPr lang="ko-KR" altLang="en-US" smtClean="0"/>
-              <a:pPr/>
-              <a:t>‹#›</a:t>
-            </a:fld>
-            <a:endParaRPr lang="ko-KR" altLang="en-US"/>
-          </a:p>
-        </p:txBody>
-      </p:sp>
-    </p:spTree>
-  </p:cSld>
-  <p:clrMapOvr>
-    <a:masterClrMapping/>
-  </p:clrMapOvr>
-</p:sldLayout>
-</file>
-
-<file path=ppt/slideLayouts/slideLayout8.xml><?xml version="1.0" encoding="utf-8"?>
 <p:sldLayout xmlns:a="http://schemas.openxmlformats.org/drawingml/2006/main" xmlns:r="http://schemas.openxmlformats.org/officeDocument/2006/relationships" xmlns:p="http://schemas.openxmlformats.org/presentationml/2006/main" matchingName="제목 및 내용 4개" type="fourObj" preserve="1">
   <p:cSld name="제목 및 내용 4개">
     <p:spTree>
@@ -2307,7 +985,17 @@
         <p:spPr/>
         <p:txBody>
           <a:bodyPr/>
-          <a:lstStyle/>
+          <a:lstStyle>
+            <a:lvl1pPr>
+              <a:defRPr>
+                <a:solidFill>
+                  <a:schemeClr val="bg1"/>
+                </a:solidFill>
+                <a:latin typeface="Arial" panose="020B0604020202020204" pitchFamily="34" charset="0"/>
+                <a:cs typeface="Arial" panose="020B0604020202020204" pitchFamily="34" charset="0"/>
+              </a:defRPr>
+            </a:lvl1pPr>
+          </a:lstStyle>
           <a:p>
             <a:pPr lvl="0">
               <a:defRPr lang="ko-KR" altLang="en-US"/>
@@ -2339,19 +1027,49 @@
           <a:bodyPr/>
           <a:lstStyle>
             <a:lvl1pPr>
-              <a:defRPr sz="2800"/>
+              <a:defRPr sz="2800">
+                <a:solidFill>
+                  <a:schemeClr val="bg1"/>
+                </a:solidFill>
+                <a:latin typeface="Arial" panose="020B0604020202020204" pitchFamily="34" charset="0"/>
+                <a:cs typeface="Arial" panose="020B0604020202020204" pitchFamily="34" charset="0"/>
+              </a:defRPr>
             </a:lvl1pPr>
             <a:lvl2pPr>
-              <a:defRPr sz="2400"/>
+              <a:defRPr sz="2400">
+                <a:solidFill>
+                  <a:schemeClr val="bg1"/>
+                </a:solidFill>
+                <a:latin typeface="Arial" panose="020B0604020202020204" pitchFamily="34" charset="0"/>
+                <a:cs typeface="Arial" panose="020B0604020202020204" pitchFamily="34" charset="0"/>
+              </a:defRPr>
             </a:lvl2pPr>
             <a:lvl3pPr>
-              <a:defRPr sz="2000"/>
+              <a:defRPr sz="2000">
+                <a:solidFill>
+                  <a:schemeClr val="bg1"/>
+                </a:solidFill>
+                <a:latin typeface="Arial" panose="020B0604020202020204" pitchFamily="34" charset="0"/>
+                <a:cs typeface="Arial" panose="020B0604020202020204" pitchFamily="34" charset="0"/>
+              </a:defRPr>
             </a:lvl3pPr>
             <a:lvl4pPr>
-              <a:defRPr sz="1800"/>
+              <a:defRPr sz="1800">
+                <a:solidFill>
+                  <a:schemeClr val="bg1"/>
+                </a:solidFill>
+                <a:latin typeface="Arial" panose="020B0604020202020204" pitchFamily="34" charset="0"/>
+                <a:cs typeface="Arial" panose="020B0604020202020204" pitchFamily="34" charset="0"/>
+              </a:defRPr>
             </a:lvl4pPr>
             <a:lvl5pPr>
-              <a:defRPr sz="1800"/>
+              <a:defRPr sz="1800">
+                <a:solidFill>
+                  <a:schemeClr val="bg1"/>
+                </a:solidFill>
+                <a:latin typeface="Arial" panose="020B0604020202020204" pitchFamily="34" charset="0"/>
+                <a:cs typeface="Arial" panose="020B0604020202020204" pitchFamily="34" charset="0"/>
+              </a:defRPr>
             </a:lvl5pPr>
             <a:lvl6pPr>
               <a:defRPr sz="1800"/>
@@ -2433,19 +1151,49 @@
           <a:bodyPr/>
           <a:lstStyle>
             <a:lvl1pPr>
-              <a:defRPr sz="2800"/>
+              <a:defRPr sz="2800">
+                <a:solidFill>
+                  <a:schemeClr val="bg1"/>
+                </a:solidFill>
+                <a:latin typeface="Arial" panose="020B0604020202020204" pitchFamily="34" charset="0"/>
+                <a:cs typeface="Arial" panose="020B0604020202020204" pitchFamily="34" charset="0"/>
+              </a:defRPr>
             </a:lvl1pPr>
             <a:lvl2pPr>
-              <a:defRPr sz="2400"/>
+              <a:defRPr sz="2400">
+                <a:solidFill>
+                  <a:schemeClr val="bg1"/>
+                </a:solidFill>
+                <a:latin typeface="Arial" panose="020B0604020202020204" pitchFamily="34" charset="0"/>
+                <a:cs typeface="Arial" panose="020B0604020202020204" pitchFamily="34" charset="0"/>
+              </a:defRPr>
             </a:lvl2pPr>
             <a:lvl3pPr>
-              <a:defRPr sz="2000"/>
+              <a:defRPr sz="2000">
+                <a:solidFill>
+                  <a:schemeClr val="bg1"/>
+                </a:solidFill>
+                <a:latin typeface="Arial" panose="020B0604020202020204" pitchFamily="34" charset="0"/>
+                <a:cs typeface="Arial" panose="020B0604020202020204" pitchFamily="34" charset="0"/>
+              </a:defRPr>
             </a:lvl3pPr>
             <a:lvl4pPr>
-              <a:defRPr sz="1800"/>
+              <a:defRPr sz="1800">
+                <a:solidFill>
+                  <a:schemeClr val="bg1"/>
+                </a:solidFill>
+                <a:latin typeface="Arial" panose="020B0604020202020204" pitchFamily="34" charset="0"/>
+                <a:cs typeface="Arial" panose="020B0604020202020204" pitchFamily="34" charset="0"/>
+              </a:defRPr>
             </a:lvl4pPr>
             <a:lvl5pPr>
-              <a:defRPr sz="1800"/>
+              <a:defRPr sz="1800">
+                <a:solidFill>
+                  <a:schemeClr val="bg1"/>
+                </a:solidFill>
+                <a:latin typeface="Arial" panose="020B0604020202020204" pitchFamily="34" charset="0"/>
+                <a:cs typeface="Arial" panose="020B0604020202020204" pitchFamily="34" charset="0"/>
+              </a:defRPr>
             </a:lvl5pPr>
             <a:lvl6pPr>
               <a:defRPr sz="1800"/>
@@ -2527,19 +1275,49 @@
           <a:bodyPr/>
           <a:lstStyle>
             <a:lvl1pPr>
-              <a:defRPr sz="2800"/>
+              <a:defRPr sz="2800">
+                <a:solidFill>
+                  <a:schemeClr val="bg1"/>
+                </a:solidFill>
+                <a:latin typeface="Arial" panose="020B0604020202020204" pitchFamily="34" charset="0"/>
+                <a:cs typeface="Arial" panose="020B0604020202020204" pitchFamily="34" charset="0"/>
+              </a:defRPr>
             </a:lvl1pPr>
             <a:lvl2pPr>
-              <a:defRPr sz="2400"/>
+              <a:defRPr sz="2400">
+                <a:solidFill>
+                  <a:schemeClr val="bg1"/>
+                </a:solidFill>
+                <a:latin typeface="Arial" panose="020B0604020202020204" pitchFamily="34" charset="0"/>
+                <a:cs typeface="Arial" panose="020B0604020202020204" pitchFamily="34" charset="0"/>
+              </a:defRPr>
             </a:lvl2pPr>
             <a:lvl3pPr>
-              <a:defRPr sz="2000"/>
+              <a:defRPr sz="2000">
+                <a:solidFill>
+                  <a:schemeClr val="bg1"/>
+                </a:solidFill>
+                <a:latin typeface="Arial" panose="020B0604020202020204" pitchFamily="34" charset="0"/>
+                <a:cs typeface="Arial" panose="020B0604020202020204" pitchFamily="34" charset="0"/>
+              </a:defRPr>
             </a:lvl3pPr>
             <a:lvl4pPr>
-              <a:defRPr sz="1800"/>
+              <a:defRPr sz="1800">
+                <a:solidFill>
+                  <a:schemeClr val="bg1"/>
+                </a:solidFill>
+                <a:latin typeface="Arial" panose="020B0604020202020204" pitchFamily="34" charset="0"/>
+                <a:cs typeface="Arial" panose="020B0604020202020204" pitchFamily="34" charset="0"/>
+              </a:defRPr>
             </a:lvl4pPr>
             <a:lvl5pPr>
-              <a:defRPr sz="1800"/>
+              <a:defRPr sz="1800">
+                <a:solidFill>
+                  <a:schemeClr val="bg1"/>
+                </a:solidFill>
+                <a:latin typeface="Arial" panose="020B0604020202020204" pitchFamily="34" charset="0"/>
+                <a:cs typeface="Arial" panose="020B0604020202020204" pitchFamily="34" charset="0"/>
+              </a:defRPr>
             </a:lvl5pPr>
             <a:lvl6pPr>
               <a:defRPr sz="1800"/>
@@ -2621,19 +1399,49 @@
           <a:bodyPr/>
           <a:lstStyle>
             <a:lvl1pPr>
-              <a:defRPr sz="2800"/>
+              <a:defRPr sz="2800">
+                <a:solidFill>
+                  <a:schemeClr val="bg1"/>
+                </a:solidFill>
+                <a:latin typeface="Arial" panose="020B0604020202020204" pitchFamily="34" charset="0"/>
+                <a:cs typeface="Arial" panose="020B0604020202020204" pitchFamily="34" charset="0"/>
+              </a:defRPr>
             </a:lvl1pPr>
             <a:lvl2pPr>
-              <a:defRPr sz="2400"/>
+              <a:defRPr sz="2400">
+                <a:solidFill>
+                  <a:schemeClr val="bg1"/>
+                </a:solidFill>
+                <a:latin typeface="Arial" panose="020B0604020202020204" pitchFamily="34" charset="0"/>
+                <a:cs typeface="Arial" panose="020B0604020202020204" pitchFamily="34" charset="0"/>
+              </a:defRPr>
             </a:lvl2pPr>
             <a:lvl3pPr>
-              <a:defRPr sz="2000"/>
+              <a:defRPr sz="2000">
+                <a:solidFill>
+                  <a:schemeClr val="bg1"/>
+                </a:solidFill>
+                <a:latin typeface="Arial" panose="020B0604020202020204" pitchFamily="34" charset="0"/>
+                <a:cs typeface="Arial" panose="020B0604020202020204" pitchFamily="34" charset="0"/>
+              </a:defRPr>
             </a:lvl3pPr>
             <a:lvl4pPr>
-              <a:defRPr sz="1800"/>
+              <a:defRPr sz="1800">
+                <a:solidFill>
+                  <a:schemeClr val="bg1"/>
+                </a:solidFill>
+                <a:latin typeface="Arial" panose="020B0604020202020204" pitchFamily="34" charset="0"/>
+                <a:cs typeface="Arial" panose="020B0604020202020204" pitchFamily="34" charset="0"/>
+              </a:defRPr>
             </a:lvl4pPr>
             <a:lvl5pPr>
-              <a:defRPr sz="1800"/>
+              <a:defRPr sz="1800">
+                <a:solidFill>
+                  <a:schemeClr val="bg1"/>
+                </a:solidFill>
+                <a:latin typeface="Arial" panose="020B0604020202020204" pitchFamily="34" charset="0"/>
+                <a:cs typeface="Arial" panose="020B0604020202020204" pitchFamily="34" charset="0"/>
+              </a:defRPr>
             </a:lvl5pPr>
             <a:lvl6pPr>
               <a:defRPr sz="1800"/>
@@ -2737,55 +1545,24 @@
                 <a:solidFill>
                   <a:schemeClr val="bg1"/>
                 </a:solidFill>
-                <a:latin typeface="맑은 고딕"/>
+                <a:latin typeface="Arial" panose="020B0604020202020204" pitchFamily="34" charset="0"/>
                 <a:ea typeface="맑은 고딕"/>
+                <a:cs typeface="Arial" panose="020B0604020202020204" pitchFamily="34" charset="0"/>
               </a:defRPr>
             </a:lvl1pPr>
           </a:lstStyle>
           <a:p>
-            <a:pPr marL="0" lvl="0" indent="0" algn="l" eaLnBrk="0" latinLnBrk="0" hangingPunct="0">
-              <a:lnSpc>
-                <a:spcPct val="100000"/>
-              </a:lnSpc>
-              <a:spcBef>
-                <a:spcPct val="0"/>
-              </a:spcBef>
-              <a:spcAft>
-                <a:spcPct val="0"/>
-              </a:spcAft>
-              <a:buNone/>
+            <a:pPr>
               <a:defRPr lang="ko-KR" altLang="en-US"/>
             </a:pPr>
             <a:fld id="{D8D7A7C4-C82A-4D21-9AB0-F0C5A1D3EF09}" type="datetime1">
-              <a:rPr kumimoji="0" lang="ko-KR" altLang="en-US" sz="1200" b="0" i="0">
-                <a:solidFill>
-                  <a:schemeClr val="bg1"/>
-                </a:solidFill>
-                <a:latin typeface="맑은 고딕"/>
-                <a:ea typeface="맑은 고딕"/>
-              </a:rPr>
-              <a:pPr marL="0" lvl="0" indent="0" algn="l" eaLnBrk="0" latinLnBrk="0" hangingPunct="0">
-                <a:lnSpc>
-                  <a:spcPct val="100000"/>
-                </a:lnSpc>
-                <a:spcBef>
-                  <a:spcPct val="0"/>
-                </a:spcBef>
-                <a:spcAft>
-                  <a:spcPct val="0"/>
-                </a:spcAft>
-                <a:buNone/>
+              <a:rPr lang="en-US" smtClean="0"/>
+              <a:pPr>
                 <a:defRPr lang="ko-KR" altLang="en-US"/>
               </a:pPr>
-              <a:t>(Mon) 2025-09-01</a:t>
+              <a:t>9/1/2025</a:t>
             </a:fld>
-            <a:endParaRPr kumimoji="0" lang="ko-KR" altLang="en-US" sz="1200" b="0" i="0">
-              <a:solidFill>
-                <a:schemeClr val="bg1"/>
-              </a:solidFill>
-              <a:latin typeface="맑은 고딕"/>
-              <a:ea typeface="맑은 고딕"/>
-            </a:endParaRPr>
+            <a:endParaRPr lang="en-US"/>
           </a:p>
         </p:txBody>
       </p:sp>
@@ -2831,32 +1608,17 @@
                 <a:solidFill>
                   <a:schemeClr val="bg1"/>
                 </a:solidFill>
-                <a:latin typeface="맑은 고딕"/>
+                <a:latin typeface="Arial" panose="020B0604020202020204" pitchFamily="34" charset="0"/>
                 <a:ea typeface="맑은 고딕"/>
+                <a:cs typeface="Arial" panose="020B0604020202020204" pitchFamily="34" charset="0"/>
               </a:defRPr>
             </a:lvl1pPr>
           </a:lstStyle>
           <a:p>
-            <a:pPr marL="0" lvl="0" indent="0" algn="ctr" eaLnBrk="0" latinLnBrk="0" hangingPunct="0">
-              <a:lnSpc>
-                <a:spcPct val="100000"/>
-              </a:lnSpc>
-              <a:spcBef>
-                <a:spcPct val="0"/>
-              </a:spcBef>
-              <a:spcAft>
-                <a:spcPct val="0"/>
-              </a:spcAft>
-              <a:buNone/>
-              <a:defRPr lang="ko-KR" altLang="en-US"/>
-            </a:pPr>
-            <a:endParaRPr kumimoji="0" lang="ko-KR" altLang="en-US" sz="1200" b="0" i="0">
-              <a:solidFill>
-                <a:schemeClr val="bg1"/>
-              </a:solidFill>
-              <a:latin typeface="맑은 고딕"/>
-              <a:ea typeface="맑은 고딕"/>
-            </a:endParaRPr>
+            <a:pPr>
+              <a:defRPr lang="ko-KR" altLang="en-US"/>
+            </a:pPr>
+            <a:endParaRPr lang="ko-KR" altLang="en-US"/>
           </a:p>
         </p:txBody>
       </p:sp>
@@ -2902,55 +1664,24 @@
                 <a:solidFill>
                   <a:schemeClr val="bg1"/>
                 </a:solidFill>
-                <a:latin typeface="맑은 고딕"/>
+                <a:latin typeface="Arial" panose="020B0604020202020204" pitchFamily="34" charset="0"/>
                 <a:ea typeface="맑은 고딕"/>
+                <a:cs typeface="Arial" panose="020B0604020202020204" pitchFamily="34" charset="0"/>
               </a:defRPr>
             </a:lvl1pPr>
           </a:lstStyle>
           <a:p>
-            <a:pPr marL="0" lvl="0" indent="0" algn="r" eaLnBrk="1" latinLnBrk="1" hangingPunct="1">
-              <a:lnSpc>
-                <a:spcPct val="100000"/>
-              </a:lnSpc>
-              <a:spcBef>
-                <a:spcPct val="0"/>
-              </a:spcBef>
-              <a:spcAft>
-                <a:spcPct val="0"/>
-              </a:spcAft>
-              <a:buNone/>
+            <a:pPr>
               <a:defRPr lang="ko-KR" altLang="en-US"/>
             </a:pPr>
             <a:fld id="{0028951E-B3FF-4BB1-954F-21D56E0566D2}" type="slidenum">
-              <a:rPr kumimoji="0" lang="ko-KR" altLang="en-US" sz="1200" b="0" i="0">
-                <a:solidFill>
-                  <a:schemeClr val="bg1"/>
-                </a:solidFill>
-                <a:latin typeface="맑은 고딕"/>
-                <a:ea typeface="맑은 고딕"/>
-              </a:rPr>
-              <a:pPr marL="0" lvl="0" indent="0" algn="r" eaLnBrk="1" latinLnBrk="1" hangingPunct="1">
-                <a:lnSpc>
-                  <a:spcPct val="100000"/>
-                </a:lnSpc>
-                <a:spcBef>
-                  <a:spcPct val="0"/>
-                </a:spcBef>
-                <a:spcAft>
-                  <a:spcPct val="0"/>
-                </a:spcAft>
-                <a:buNone/>
+              <a:rPr lang="en-US" altLang="ko-KR" smtClean="0"/>
+              <a:pPr>
                 <a:defRPr lang="ko-KR" altLang="en-US"/>
               </a:pPr>
               <a:t>‹#›</a:t>
             </a:fld>
-            <a:endParaRPr kumimoji="0" lang="ko-KR" altLang="en-US" sz="1200" b="0" i="0">
-              <a:solidFill>
-                <a:schemeClr val="bg1"/>
-              </a:solidFill>
-              <a:latin typeface="맑은 고딕"/>
-              <a:ea typeface="맑은 고딕"/>
-            </a:endParaRPr>
+            <a:endParaRPr lang="en-US" altLang="ko-KR"/>
           </a:p>
         </p:txBody>
       </p:sp>
@@ -2960,215 +1691,6 @@
     <a:masterClrMapping/>
   </p:clrMapOvr>
   <p:transition/>
-</p:sldLayout>
-</file>
-
-<file path=ppt/slideLayouts/slideLayout9.xml><?xml version="1.0" encoding="utf-8"?>
-<p:sldLayout xmlns:a="http://schemas.openxmlformats.org/drawingml/2006/main" xmlns:r="http://schemas.openxmlformats.org/officeDocument/2006/relationships" xmlns:p="http://schemas.openxmlformats.org/presentationml/2006/main" type="picTx" preserve="1">
-  <p:cSld name="그림 및 설명">
-    <p:spTree>
-      <p:nvGrpSpPr>
-        <p:cNvPr id="1" name=""/>
-        <p:cNvGrpSpPr/>
-        <p:nvPr/>
-      </p:nvGrpSpPr>
-      <p:grpSpPr>
-        <a:xfrm>
-          <a:off x="0" y="0"/>
-          <a:ext cx="0" cy="0"/>
-          <a:chOff x="0" y="0"/>
-          <a:chExt cx="0" cy="0"/>
-        </a:xfrm>
-      </p:grpSpPr>
-      <p:sp>
-        <p:nvSpPr>
-          <p:cNvPr id="2" name="제목 1"/>
-          <p:cNvSpPr>
-            <a:spLocks noGrp="1"/>
-          </p:cNvSpPr>
-          <p:nvPr>
-            <p:ph type="title"/>
-          </p:nvPr>
-        </p:nvSpPr>
-        <p:spPr>
-          <a:xfrm>
-            <a:off x="2389717" y="4800600"/>
-            <a:ext cx="7315199" cy="566738"/>
-          </a:xfrm>
-        </p:spPr>
-        <p:txBody>
-          <a:bodyPr anchor="b"/>
-          <a:lstStyle>
-            <a:lvl1pPr algn="l">
-              <a:defRPr sz="2000" b="1"/>
-            </a:lvl1pPr>
-          </a:lstStyle>
-          <a:p>
-            <a:r>
-              <a:rPr lang="ko-KR" altLang="en-US"/>
-              <a:t>마스터 제목 스타일 편집</a:t>
-            </a:r>
-          </a:p>
-        </p:txBody>
-      </p:sp>
-      <p:sp>
-        <p:nvSpPr>
-          <p:cNvPr id="3" name="그림 개체 틀 2"/>
-          <p:cNvSpPr>
-            <a:spLocks noGrp="1"/>
-          </p:cNvSpPr>
-          <p:nvPr>
-            <p:ph type="pic" idx="1"/>
-          </p:nvPr>
-        </p:nvSpPr>
-        <p:spPr>
-          <a:xfrm>
-            <a:off x="2389717" y="612775"/>
-            <a:ext cx="7315199" cy="4114800"/>
-          </a:xfrm>
-        </p:spPr>
-        <p:txBody>
-          <a:bodyPr>
-            <a:normAutofit/>
-          </a:bodyPr>
-          <a:lstStyle/>
-          <a:p>
-            <a:pPr lvl="0"/>
-            <a:r>
-              <a:rPr lang="ko-KR" altLang="en-US"/>
-              <a:t>그림을 추가하려면 아이콘을 클릭하십시오</a:t>
-            </a:r>
-          </a:p>
-        </p:txBody>
-      </p:sp>
-      <p:sp>
-        <p:nvSpPr>
-          <p:cNvPr id="4" name="텍스트 개체 틀 3"/>
-          <p:cNvSpPr>
-            <a:spLocks noGrp="1"/>
-          </p:cNvSpPr>
-          <p:nvPr>
-            <p:ph type="body" sz="half" idx="2"/>
-          </p:nvPr>
-        </p:nvSpPr>
-        <p:spPr>
-          <a:xfrm>
-            <a:off x="2389717" y="5367338"/>
-            <a:ext cx="7315199" cy="804862"/>
-          </a:xfrm>
-        </p:spPr>
-        <p:txBody>
-          <a:bodyPr/>
-          <a:lstStyle>
-            <a:lvl1pPr>
-              <a:defRPr sz="1411"/>
-            </a:lvl1pPr>
-            <a:lvl2pPr>
-              <a:defRPr sz="1200"/>
-            </a:lvl2pPr>
-            <a:lvl3pPr>
-              <a:defRPr sz="1000"/>
-            </a:lvl3pPr>
-            <a:lvl4pPr>
-              <a:defRPr sz="900"/>
-            </a:lvl4pPr>
-            <a:lvl5pPr>
-              <a:defRPr sz="900"/>
-            </a:lvl5pPr>
-            <a:lvl6pPr>
-              <a:defRPr sz="900"/>
-            </a:lvl6pPr>
-            <a:lvl7pPr>
-              <a:defRPr sz="900"/>
-            </a:lvl7pPr>
-            <a:lvl8pPr>
-              <a:defRPr sz="900"/>
-            </a:lvl8pPr>
-            <a:lvl9pPr>
-              <a:defRPr sz="900"/>
-            </a:lvl9pPr>
-          </a:lstStyle>
-          <a:p>
-            <a:pPr lvl="0"/>
-            <a:r>
-              <a:rPr lang="ko-KR" altLang="en-US"/>
-              <a:t>마스터 텍스트 스타일을 편집합니다</a:t>
-            </a:r>
-          </a:p>
-        </p:txBody>
-      </p:sp>
-      <p:sp>
-        <p:nvSpPr>
-          <p:cNvPr id="10" name="날짜 개체 틀 4"/>
-          <p:cNvSpPr>
-            <a:spLocks noGrp="1"/>
-          </p:cNvSpPr>
-          <p:nvPr>
-            <p:ph type="dt" sz="half" idx="10"/>
-          </p:nvPr>
-        </p:nvSpPr>
-        <p:spPr/>
-        <p:txBody>
-          <a:bodyPr/>
-          <a:lstStyle/>
-          <a:p>
-            <a:fld id="{D8D7A7C4-C82A-4D21-9AB0-F0C5A1D3EF09}" type="datetimeFigureOut">
-              <a:rPr lang="ko-KR" altLang="en-US" smtClean="0"/>
-              <a:pPr/>
-              <a:t>(Mon) 2025-09-01</a:t>
-            </a:fld>
-            <a:endParaRPr lang="ko-KR" altLang="en-US"/>
-          </a:p>
-        </p:txBody>
-      </p:sp>
-      <p:sp>
-        <p:nvSpPr>
-          <p:cNvPr id="11" name="바닥글 개체 틀 5"/>
-          <p:cNvSpPr>
-            <a:spLocks noGrp="1"/>
-          </p:cNvSpPr>
-          <p:nvPr>
-            <p:ph type="ftr" sz="quarter" idx="11"/>
-          </p:nvPr>
-        </p:nvSpPr>
-        <p:spPr/>
-        <p:txBody>
-          <a:bodyPr/>
-          <a:lstStyle/>
-          <a:p>
-            <a:endParaRPr lang="ko-KR" altLang="en-US"/>
-          </a:p>
-        </p:txBody>
-      </p:sp>
-      <p:sp>
-        <p:nvSpPr>
-          <p:cNvPr id="12" name="슬라이드 번호 개체 틀 6"/>
-          <p:cNvSpPr>
-            <a:spLocks noGrp="1"/>
-          </p:cNvSpPr>
-          <p:nvPr>
-            <p:ph type="sldNum" sz="quarter" idx="12"/>
-          </p:nvPr>
-        </p:nvSpPr>
-        <p:spPr/>
-        <p:txBody>
-          <a:bodyPr/>
-          <a:lstStyle/>
-          <a:p>
-            <a:fld id="{AD22CD3B-FDDF-4998-970C-76E6E0BEC65F}" type="slidenum">
-              <a:rPr lang="ko-KR" altLang="en-US" smtClean="0"/>
-              <a:pPr/>
-              <a:t>‹#›</a:t>
-            </a:fld>
-            <a:endParaRPr lang="ko-KR" altLang="en-US"/>
-          </a:p>
-        </p:txBody>
-      </p:sp>
-    </p:spTree>
-  </p:cSld>
-  <p:clrMapOvr>
-    <a:masterClrMapping/>
-  </p:clrMapOvr>
 </p:sldLayout>
 </file>
 
@@ -3340,7 +1862,7 @@
           <p:nvPr/>
         </p:nvPicPr>
         <p:blipFill rotWithShape="1">
-          <a:blip r:embed="rId14">
+          <a:blip r:embed="rId5">
             <a:lum/>
           </a:blip>
           <a:stretch>
@@ -3370,7 +1892,7 @@
           <p:nvPr/>
         </p:nvPicPr>
         <p:blipFill rotWithShape="1">
-          <a:blip r:embed="rId14">
+          <a:blip r:embed="rId5">
             <a:lum/>
           </a:blip>
           <a:stretch>
@@ -3667,16 +2189,7 @@
   <p:sldLayoutIdLst>
     <p:sldLayoutId id="2147483718" r:id="rId1"/>
     <p:sldLayoutId id="2147483719" r:id="rId2"/>
-    <p:sldLayoutId id="2147483720" r:id="rId3"/>
-    <p:sldLayoutId id="2147483721" r:id="rId4"/>
-    <p:sldLayoutId id="2147483722" r:id="rId5"/>
-    <p:sldLayoutId id="2147483723" r:id="rId6"/>
-    <p:sldLayoutId id="2147483724" r:id="rId7"/>
-    <p:sldLayoutId id="2147483725" r:id="rId8"/>
-    <p:sldLayoutId id="2147483726" r:id="rId9"/>
-    <p:sldLayoutId id="2147483727" r:id="rId10"/>
-    <p:sldLayoutId id="2147483728" r:id="rId11"/>
-    <p:sldLayoutId id="2147483729" r:id="rId12"/>
+    <p:sldLayoutId id="2147483725" r:id="rId3"/>
   </p:sldLayoutIdLst>
   <p:transition/>
   <p:txStyles>
@@ -3986,164 +2499,6 @@
     </p:otherStyle>
   </p:txStyles>
 </p:sldMaster>
-</file>
-
-<file path=ppt/slides/slide1.xml><?xml version="1.0" encoding="utf-8"?>
-<p:sld xmlns:a="http://schemas.openxmlformats.org/drawingml/2006/main" xmlns:r="http://schemas.openxmlformats.org/officeDocument/2006/relationships" xmlns:p="http://schemas.openxmlformats.org/presentationml/2006/main">
-  <p:cSld>
-    <p:spTree>
-      <p:nvGrpSpPr>
-        <p:cNvPr id="1" name=""/>
-        <p:cNvGrpSpPr/>
-        <p:nvPr/>
-      </p:nvGrpSpPr>
-      <p:grpSpPr>
-        <a:xfrm>
-          <a:off x="0" y="0"/>
-          <a:ext cx="0" cy="0"/>
-          <a:chOff x="0" y="0"/>
-          <a:chExt cx="0" cy="0"/>
-        </a:xfrm>
-      </p:grpSpPr>
-      <p:pic>
-        <p:nvPicPr>
-          <p:cNvPr id="4098" name="그림 4097"/>
-          <p:cNvPicPr/>
-          <p:nvPr/>
-        </p:nvPicPr>
-        <p:blipFill rotWithShape="1">
-          <a:blip r:embed="rId2">
-            <a:lum/>
-          </a:blip>
-          <a:stretch>
-            <a:fillRect/>
-          </a:stretch>
-        </p:blipFill>
-        <p:spPr>
-          <a:xfrm>
-            <a:off x="0" y="0"/>
-            <a:ext cx="9149754" cy="5145819"/>
-          </a:xfrm>
-          <a:prstGeom prst="rect">
-            <a:avLst/>
-          </a:prstGeom>
-          <a:noFill/>
-          <a:ln w="9525" cap="flat" cmpd="sng" algn="ctr">
-            <a:noFill/>
-            <a:prstDash val="solid"/>
-            <a:round/>
-          </a:ln>
-        </p:spPr>
-      </p:pic>
-      <p:sp>
-        <p:nvSpPr>
-          <p:cNvPr id="4099" name="제목 1"/>
-          <p:cNvSpPr>
-            <a:spLocks noGrp="1"/>
-          </p:cNvSpPr>
-          <p:nvPr>
-            <p:ph type="title"/>
-          </p:nvPr>
-        </p:nvSpPr>
-        <p:spPr>
-          <a:xfrm>
-            <a:off x="457401" y="206478"/>
-            <a:ext cx="8233332" cy="857627"/>
-          </a:xfrm>
-        </p:spPr>
-        <p:txBody>
-          <a:bodyPr vert="horz" wrap="square" lIns="91440" tIns="45720" rIns="91440" bIns="45720" anchor="ctr">
-            <a:noAutofit/>
-          </a:bodyPr>
-          <a:lstStyle/>
-          <a:p>
-            <a:pPr marL="0" lvl="0" indent="0" algn="ctr" eaLnBrk="1" latinLnBrk="1" hangingPunct="1">
-              <a:lnSpc>
-                <a:spcPct val="100000"/>
-              </a:lnSpc>
-              <a:spcBef>
-                <a:spcPct val="0"/>
-              </a:spcBef>
-              <a:spcAft>
-                <a:spcPct val="0"/>
-              </a:spcAft>
-              <a:buNone/>
-              <a:defRPr lang="ko-KR" altLang="en-US"/>
-            </a:pPr>
-            <a:endParaRPr kumimoji="0" lang="ko-KR" altLang="en-US" sz="4400" b="0" i="0">
-              <a:solidFill>
-                <a:schemeClr val="bg1"/>
-              </a:solidFill>
-              <a:latin typeface="맑은 고딕"/>
-              <a:ea typeface="맑은 고딕"/>
-            </a:endParaRPr>
-          </a:p>
-        </p:txBody>
-      </p:sp>
-      <p:sp>
-        <p:nvSpPr>
-          <p:cNvPr id="4100" name="내용 개체 틀 2"/>
-          <p:cNvSpPr>
-            <a:spLocks noGrp="1"/>
-          </p:cNvSpPr>
-          <p:nvPr>
-            <p:ph sz="half" idx="1"/>
-          </p:nvPr>
-        </p:nvSpPr>
-        <p:spPr>
-          <a:xfrm>
-            <a:off x="457401" y="1200678"/>
-            <a:ext cx="8233332" cy="3395611"/>
-          </a:xfrm>
-        </p:spPr>
-        <p:txBody>
-          <a:bodyPr vert="horz" wrap="square" lIns="91440" tIns="45720" rIns="91440" bIns="45720" anchor="t">
-            <a:noAutofit/>
-          </a:bodyPr>
-          <a:lstStyle/>
-          <a:p>
-            <a:pPr marL="360000" lvl="0" indent="-360000" algn="l" eaLnBrk="1" latinLnBrk="1" hangingPunct="1">
-              <a:lnSpc>
-                <a:spcPct val="100000"/>
-              </a:lnSpc>
-              <a:spcBef>
-                <a:spcPct val="20000"/>
-              </a:spcBef>
-              <a:spcAft>
-                <a:spcPct val="0"/>
-              </a:spcAft>
-              <a:buClr>
-                <a:schemeClr val="bg1"/>
-              </a:buClr>
-              <a:buSzPct val="100000"/>
-              <a:buFont typeface="Arial"/>
-              <a:buChar char="•"/>
-              <a:defRPr lang="ko-KR" altLang="en-US"/>
-            </a:pPr>
-            <a:endParaRPr kumimoji="0" lang="ko-KR" altLang="en-US" sz="3200" b="0" i="0">
-              <a:solidFill>
-                <a:schemeClr val="bg1"/>
-              </a:solidFill>
-              <a:latin typeface="맑은 고딕"/>
-              <a:ea typeface="맑은 고딕"/>
-            </a:endParaRPr>
-          </a:p>
-        </p:txBody>
-      </p:sp>
-    </p:spTree>
-  </p:cSld>
-  <p:clrMapOvr>
-    <a:masterClrMapping/>
-  </p:clrMapOvr>
-  <mc:AlternateContent xmlns:mc="http://schemas.openxmlformats.org/markup-compatibility/2006" xmlns:p14="http://schemas.microsoft.com/office/powerpoint/2010/main">
-    <mc:Choice Requires="p14">
-      <p:transition/>
-    </mc:Choice>
-    <mc:Fallback xmlns:dsp="http://schemas.microsoft.com/office/drawing/2008/diagram" xmlns:dgm="http://schemas.openxmlformats.org/drawingml/2006/diagram" xmlns:c="http://schemas.openxmlformats.org/drawingml/2006/chart" xmlns="">
-      <p:transition/>
-    </mc:Fallback>
-  </mc:AlternateContent>
-</p:sld>
 </file>
 
 <file path=ppt/theme/theme1.xml><?xml version="1.0" encoding="utf-8"?>
